--- a/RampV03Presentation.pptx
+++ b/RampV03Presentation.pptx
@@ -21,7 +21,8 @@
     <p:sldId id="272" r:id="rId15"/>
     <p:sldId id="270" r:id="rId16"/>
     <p:sldId id="269" r:id="rId17"/>
-    <p:sldId id="273" r:id="rId18"/>
+    <p:sldId id="274" r:id="rId18"/>
+    <p:sldId id="273" r:id="rId19"/>
   </p:sldIdLst>
   <p:sldSz cx="12192000" cy="6858000"/>
   <p:notesSz cx="6858000" cy="9144000"/>
@@ -120,6 +121,11 @@
       </a:defRPr>
     </a:lvl9pPr>
   </p:defaultTextStyle>
+  <p:extLst>
+    <p:ext uri="{EFAFB233-063F-42B5-8137-9DF3F51BA10A}">
+      <p15:sldGuideLst xmlns:p15="http://schemas.microsoft.com/office/powerpoint/2012/main"/>
+    </p:ext>
+  </p:extLst>
 </p:presentation>
 </file>
 
@@ -270,7 +276,7 @@
           <a:p>
             <a:fld id="{F1EB54BA-186C-4A9E-B622-D29CC351A41F}" type="datetimeFigureOut">
               <a:rPr lang="en-US" smtClean="0"/>
-              <a:t>10/10/2018</a:t>
+              <a:t>10/11/2018</a:t>
             </a:fld>
             <a:endParaRPr lang="en-US"/>
           </a:p>
@@ -468,7 +474,7 @@
           <a:p>
             <a:fld id="{F1EB54BA-186C-4A9E-B622-D29CC351A41F}" type="datetimeFigureOut">
               <a:rPr lang="en-US" smtClean="0"/>
-              <a:t>10/10/2018</a:t>
+              <a:t>10/11/2018</a:t>
             </a:fld>
             <a:endParaRPr lang="en-US"/>
           </a:p>
@@ -676,7 +682,7 @@
           <a:p>
             <a:fld id="{F1EB54BA-186C-4A9E-B622-D29CC351A41F}" type="datetimeFigureOut">
               <a:rPr lang="en-US" smtClean="0"/>
-              <a:t>10/10/2018</a:t>
+              <a:t>10/11/2018</a:t>
             </a:fld>
             <a:endParaRPr lang="en-US"/>
           </a:p>
@@ -874,7 +880,7 @@
           <a:p>
             <a:fld id="{F1EB54BA-186C-4A9E-B622-D29CC351A41F}" type="datetimeFigureOut">
               <a:rPr lang="en-US" smtClean="0"/>
-              <a:t>10/10/2018</a:t>
+              <a:t>10/11/2018</a:t>
             </a:fld>
             <a:endParaRPr lang="en-US"/>
           </a:p>
@@ -1149,7 +1155,7 @@
           <a:p>
             <a:fld id="{F1EB54BA-186C-4A9E-B622-D29CC351A41F}" type="datetimeFigureOut">
               <a:rPr lang="en-US" smtClean="0"/>
-              <a:t>10/10/2018</a:t>
+              <a:t>10/11/2018</a:t>
             </a:fld>
             <a:endParaRPr lang="en-US"/>
           </a:p>
@@ -1414,7 +1420,7 @@
           <a:p>
             <a:fld id="{F1EB54BA-186C-4A9E-B622-D29CC351A41F}" type="datetimeFigureOut">
               <a:rPr lang="en-US" smtClean="0"/>
-              <a:t>10/10/2018</a:t>
+              <a:t>10/11/2018</a:t>
             </a:fld>
             <a:endParaRPr lang="en-US"/>
           </a:p>
@@ -1826,7 +1832,7 @@
           <a:p>
             <a:fld id="{F1EB54BA-186C-4A9E-B622-D29CC351A41F}" type="datetimeFigureOut">
               <a:rPr lang="en-US" smtClean="0"/>
-              <a:t>10/10/2018</a:t>
+              <a:t>10/11/2018</a:t>
             </a:fld>
             <a:endParaRPr lang="en-US"/>
           </a:p>
@@ -1967,7 +1973,7 @@
           <a:p>
             <a:fld id="{F1EB54BA-186C-4A9E-B622-D29CC351A41F}" type="datetimeFigureOut">
               <a:rPr lang="en-US" smtClean="0"/>
-              <a:t>10/10/2018</a:t>
+              <a:t>10/11/2018</a:t>
             </a:fld>
             <a:endParaRPr lang="en-US"/>
           </a:p>
@@ -2080,7 +2086,7 @@
           <a:p>
             <a:fld id="{F1EB54BA-186C-4A9E-B622-D29CC351A41F}" type="datetimeFigureOut">
               <a:rPr lang="en-US" smtClean="0"/>
-              <a:t>10/10/2018</a:t>
+              <a:t>10/11/2018</a:t>
             </a:fld>
             <a:endParaRPr lang="en-US"/>
           </a:p>
@@ -2391,7 +2397,7 @@
           <a:p>
             <a:fld id="{F1EB54BA-186C-4A9E-B622-D29CC351A41F}" type="datetimeFigureOut">
               <a:rPr lang="en-US" smtClean="0"/>
-              <a:t>10/10/2018</a:t>
+              <a:t>10/11/2018</a:t>
             </a:fld>
             <a:endParaRPr lang="en-US"/>
           </a:p>
@@ -2679,7 +2685,7 @@
           <a:p>
             <a:fld id="{F1EB54BA-186C-4A9E-B622-D29CC351A41F}" type="datetimeFigureOut">
               <a:rPr lang="en-US" smtClean="0"/>
-              <a:t>10/10/2018</a:t>
+              <a:t>10/11/2018</a:t>
             </a:fld>
             <a:endParaRPr lang="en-US"/>
           </a:p>
@@ -2920,7 +2926,7 @@
           <a:p>
             <a:fld id="{F1EB54BA-186C-4A9E-B622-D29CC351A41F}" type="datetimeFigureOut">
               <a:rPr lang="en-US" smtClean="0"/>
-              <a:t>10/10/2018</a:t>
+              <a:t>10/11/2018</a:t>
             </a:fld>
             <a:endParaRPr lang="en-US"/>
           </a:p>
@@ -4050,10 +4056,10 @@
       </p:sp>
       <p:pic>
         <p:nvPicPr>
-          <p:cNvPr id="5" name="Picture 4">
-            <a:extLst>
-              <a:ext uri="{FF2B5EF4-FFF2-40B4-BE49-F238E27FC236}">
-                <a16:creationId xmlns:a16="http://schemas.microsoft.com/office/drawing/2014/main" id="{2A91CB68-68CE-490B-A045-3B441BF378A0}"/>
+          <p:cNvPr id="7" name="Picture 6">
+            <a:extLst>
+              <a:ext uri="{FF2B5EF4-FFF2-40B4-BE49-F238E27FC236}">
+                <a16:creationId xmlns:a16="http://schemas.microsoft.com/office/drawing/2014/main" id="{039E56B9-4C40-4578-8AAB-D43A423E93AC}"/>
               </a:ext>
             </a:extLst>
           </p:cNvPr>
@@ -4070,8 +4076,8 @@
         </p:blipFill>
         <p:spPr>
           <a:xfrm>
-            <a:off x="8287254" y="4357396"/>
-            <a:ext cx="3546485" cy="2112542"/>
+            <a:off x="4561475" y="1206872"/>
+            <a:ext cx="3320279" cy="1977797"/>
           </a:xfrm>
           <a:prstGeom prst="rect">
             <a:avLst/>
@@ -4080,10 +4086,10 @@
       </p:pic>
       <p:pic>
         <p:nvPicPr>
-          <p:cNvPr id="7" name="Picture 6">
-            <a:extLst>
-              <a:ext uri="{FF2B5EF4-FFF2-40B4-BE49-F238E27FC236}">
-                <a16:creationId xmlns:a16="http://schemas.microsoft.com/office/drawing/2014/main" id="{039E56B9-4C40-4578-8AAB-D43A423E93AC}"/>
+          <p:cNvPr id="9" name="Picture 8">
+            <a:extLst>
+              <a:ext uri="{FF2B5EF4-FFF2-40B4-BE49-F238E27FC236}">
+                <a16:creationId xmlns:a16="http://schemas.microsoft.com/office/drawing/2014/main" id="{A3D6F1EF-2B3D-460C-B14F-C393C6654C74}"/>
               </a:ext>
             </a:extLst>
           </p:cNvPr>
@@ -4100,7 +4106,7 @@
         </p:blipFill>
         <p:spPr>
           <a:xfrm>
-            <a:off x="4561475" y="1206872"/>
+            <a:off x="8220142" y="1124123"/>
             <a:ext cx="3320279" cy="1977797"/>
           </a:xfrm>
           <a:prstGeom prst="rect">
@@ -4110,10 +4116,10 @@
       </p:pic>
       <p:pic>
         <p:nvPicPr>
-          <p:cNvPr id="9" name="Picture 8">
-            <a:extLst>
-              <a:ext uri="{FF2B5EF4-FFF2-40B4-BE49-F238E27FC236}">
-                <a16:creationId xmlns:a16="http://schemas.microsoft.com/office/drawing/2014/main" id="{A3D6F1EF-2B3D-460C-B14F-C393C6654C74}"/>
+          <p:cNvPr id="10" name="Picture 9">
+            <a:extLst>
+              <a:ext uri="{FF2B5EF4-FFF2-40B4-BE49-F238E27FC236}">
+                <a16:creationId xmlns:a16="http://schemas.microsoft.com/office/drawing/2014/main" id="{A826545F-891C-47FC-8D67-E4E664A771EA}"/>
               </a:ext>
             </a:extLst>
           </p:cNvPr>
@@ -4130,8 +4136,8 @@
         </p:blipFill>
         <p:spPr>
           <a:xfrm>
-            <a:off x="8220142" y="1124123"/>
-            <a:ext cx="3320279" cy="1977797"/>
+            <a:off x="4191129" y="4377385"/>
+            <a:ext cx="3772689" cy="2247285"/>
           </a:xfrm>
           <a:prstGeom prst="rect">
             <a:avLst/>
@@ -4140,10 +4146,10 @@
       </p:pic>
       <p:pic>
         <p:nvPicPr>
-          <p:cNvPr id="10" name="Picture 9">
-            <a:extLst>
-              <a:ext uri="{FF2B5EF4-FFF2-40B4-BE49-F238E27FC236}">
-                <a16:creationId xmlns:a16="http://schemas.microsoft.com/office/drawing/2014/main" id="{A826545F-891C-47FC-8D67-E4E664A771EA}"/>
+          <p:cNvPr id="12" name="Picture 11">
+            <a:extLst>
+              <a:ext uri="{FF2B5EF4-FFF2-40B4-BE49-F238E27FC236}">
+                <a16:creationId xmlns:a16="http://schemas.microsoft.com/office/drawing/2014/main" id="{27F36712-421E-4BCD-95B1-0CBDADA499CD}"/>
               </a:ext>
             </a:extLst>
           </p:cNvPr>
@@ -4160,8 +4166,8 @@
         </p:blipFill>
         <p:spPr>
           <a:xfrm>
-            <a:off x="4191129" y="4377385"/>
-            <a:ext cx="3772689" cy="2247285"/>
+            <a:off x="121083" y="4357396"/>
+            <a:ext cx="3839801" cy="2287262"/>
           </a:xfrm>
           <a:prstGeom prst="rect">
             <a:avLst/>
@@ -4170,10 +4176,10 @@
       </p:pic>
       <p:pic>
         <p:nvPicPr>
-          <p:cNvPr id="12" name="Picture 11">
-            <a:extLst>
-              <a:ext uri="{FF2B5EF4-FFF2-40B4-BE49-F238E27FC236}">
-                <a16:creationId xmlns:a16="http://schemas.microsoft.com/office/drawing/2014/main" id="{27F36712-421E-4BCD-95B1-0CBDADA499CD}"/>
+          <p:cNvPr id="17" name="Picture 16">
+            <a:extLst>
+              <a:ext uri="{FF2B5EF4-FFF2-40B4-BE49-F238E27FC236}">
+                <a16:creationId xmlns:a16="http://schemas.microsoft.com/office/drawing/2014/main" id="{108EAB57-2B97-4764-B1C9-89F2160265B1}"/>
               </a:ext>
             </a:extLst>
           </p:cNvPr>
@@ -4190,8 +4196,8 @@
         </p:blipFill>
         <p:spPr>
           <a:xfrm>
-            <a:off x="121083" y="4357396"/>
-            <a:ext cx="3839801" cy="2287262"/>
+            <a:off x="550132" y="1430750"/>
+            <a:ext cx="3354615" cy="1998250"/>
           </a:xfrm>
           <a:prstGeom prst="rect">
             <a:avLst/>
@@ -4200,10 +4206,10 @@
       </p:pic>
       <p:pic>
         <p:nvPicPr>
-          <p:cNvPr id="17" name="Picture 16">
-            <a:extLst>
-              <a:ext uri="{FF2B5EF4-FFF2-40B4-BE49-F238E27FC236}">
-                <a16:creationId xmlns:a16="http://schemas.microsoft.com/office/drawing/2014/main" id="{108EAB57-2B97-4764-B1C9-89F2160265B1}"/>
+          <p:cNvPr id="3" name="Picture 2">
+            <a:extLst>
+              <a:ext uri="{FF2B5EF4-FFF2-40B4-BE49-F238E27FC236}">
+                <a16:creationId xmlns:a16="http://schemas.microsoft.com/office/drawing/2014/main" id="{52F8431E-8C2C-4520-8AC4-49BEEBD39E73}"/>
               </a:ext>
             </a:extLst>
           </p:cNvPr>
@@ -4220,8 +4226,8 @@
         </p:blipFill>
         <p:spPr>
           <a:xfrm>
-            <a:off x="550132" y="1430750"/>
-            <a:ext cx="3354615" cy="1998250"/>
+            <a:off x="7963818" y="3897163"/>
+            <a:ext cx="3829849" cy="2780270"/>
           </a:xfrm>
           <a:prstGeom prst="rect">
             <a:avLst/>
@@ -4330,10 +4336,10 @@
       </p:sp>
       <p:pic>
         <p:nvPicPr>
-          <p:cNvPr id="3" name="Picture 2">
-            <a:extLst>
-              <a:ext uri="{FF2B5EF4-FFF2-40B4-BE49-F238E27FC236}">
-                <a16:creationId xmlns:a16="http://schemas.microsoft.com/office/drawing/2014/main" id="{14A63D3D-5277-4AB0-B18B-AF55B9C2848D}"/>
+          <p:cNvPr id="8" name="Picture 7">
+            <a:extLst>
+              <a:ext uri="{FF2B5EF4-FFF2-40B4-BE49-F238E27FC236}">
+                <a16:creationId xmlns:a16="http://schemas.microsoft.com/office/drawing/2014/main" id="{DFD86F51-14FB-44E4-834D-1EE223CA7AD6}"/>
               </a:ext>
             </a:extLst>
           </p:cNvPr>
@@ -4350,8 +4356,8 @@
         </p:blipFill>
         <p:spPr>
           <a:xfrm>
-            <a:off x="8563323" y="4446281"/>
-            <a:ext cx="3080597" cy="1835025"/>
+            <a:off x="4359718" y="1081653"/>
+            <a:ext cx="3435512" cy="2046438"/>
           </a:xfrm>
           <a:prstGeom prst="rect">
             <a:avLst/>
@@ -4360,10 +4366,10 @@
       </p:pic>
       <p:pic>
         <p:nvPicPr>
-          <p:cNvPr id="8" name="Picture 7">
-            <a:extLst>
-              <a:ext uri="{FF2B5EF4-FFF2-40B4-BE49-F238E27FC236}">
-                <a16:creationId xmlns:a16="http://schemas.microsoft.com/office/drawing/2014/main" id="{DFD86F51-14FB-44E4-834D-1EE223CA7AD6}"/>
+          <p:cNvPr id="11" name="Picture 10">
+            <a:extLst>
+              <a:ext uri="{FF2B5EF4-FFF2-40B4-BE49-F238E27FC236}">
+                <a16:creationId xmlns:a16="http://schemas.microsoft.com/office/drawing/2014/main" id="{7148C914-0765-4C31-8F6F-E9DA529B32A9}"/>
               </a:ext>
             </a:extLst>
           </p:cNvPr>
@@ -4380,8 +4386,8 @@
         </p:blipFill>
         <p:spPr>
           <a:xfrm>
-            <a:off x="4359718" y="1081653"/>
-            <a:ext cx="3435512" cy="2046438"/>
+            <a:off x="8028265" y="1081653"/>
+            <a:ext cx="3495852" cy="2082381"/>
           </a:xfrm>
           <a:prstGeom prst="rect">
             <a:avLst/>
@@ -4390,10 +4396,10 @@
       </p:pic>
       <p:pic>
         <p:nvPicPr>
-          <p:cNvPr id="11" name="Picture 10">
-            <a:extLst>
-              <a:ext uri="{FF2B5EF4-FFF2-40B4-BE49-F238E27FC236}">
-                <a16:creationId xmlns:a16="http://schemas.microsoft.com/office/drawing/2014/main" id="{7148C914-0765-4C31-8F6F-E9DA529B32A9}"/>
+          <p:cNvPr id="13" name="Picture 12">
+            <a:extLst>
+              <a:ext uri="{FF2B5EF4-FFF2-40B4-BE49-F238E27FC236}">
+                <a16:creationId xmlns:a16="http://schemas.microsoft.com/office/drawing/2014/main" id="{08DBF2B8-5A05-48CC-8873-EBDAD095BDBA}"/>
               </a:ext>
             </a:extLst>
           </p:cNvPr>
@@ -4410,8 +4416,8 @@
         </p:blipFill>
         <p:spPr>
           <a:xfrm>
-            <a:off x="8028265" y="1081653"/>
-            <a:ext cx="3495852" cy="2082381"/>
+            <a:off x="4498857" y="4446281"/>
+            <a:ext cx="3529408" cy="2102369"/>
           </a:xfrm>
           <a:prstGeom prst="rect">
             <a:avLst/>
@@ -4420,10 +4426,10 @@
       </p:pic>
       <p:pic>
         <p:nvPicPr>
-          <p:cNvPr id="13" name="Picture 12">
-            <a:extLst>
-              <a:ext uri="{FF2B5EF4-FFF2-40B4-BE49-F238E27FC236}">
-                <a16:creationId xmlns:a16="http://schemas.microsoft.com/office/drawing/2014/main" id="{08DBF2B8-5A05-48CC-8873-EBDAD095BDBA}"/>
+          <p:cNvPr id="14" name="Picture 13">
+            <a:extLst>
+              <a:ext uri="{FF2B5EF4-FFF2-40B4-BE49-F238E27FC236}">
+                <a16:creationId xmlns:a16="http://schemas.microsoft.com/office/drawing/2014/main" id="{2F1177D5-EFF5-4D6F-A3BA-BA369E261481}"/>
               </a:ext>
             </a:extLst>
           </p:cNvPr>
@@ -4440,8 +4446,8 @@
         </p:blipFill>
         <p:spPr>
           <a:xfrm>
-            <a:off x="4498857" y="4446281"/>
-            <a:ext cx="3529408" cy="2102369"/>
+            <a:off x="702013" y="4446281"/>
+            <a:ext cx="3435513" cy="2046439"/>
           </a:xfrm>
           <a:prstGeom prst="rect">
             <a:avLst/>
@@ -4450,10 +4456,10 @@
       </p:pic>
       <p:pic>
         <p:nvPicPr>
-          <p:cNvPr id="14" name="Picture 13">
-            <a:extLst>
-              <a:ext uri="{FF2B5EF4-FFF2-40B4-BE49-F238E27FC236}">
-                <a16:creationId xmlns:a16="http://schemas.microsoft.com/office/drawing/2014/main" id="{2F1177D5-EFF5-4D6F-A3BA-BA369E261481}"/>
+          <p:cNvPr id="15" name="Picture 14">
+            <a:extLst>
+              <a:ext uri="{FF2B5EF4-FFF2-40B4-BE49-F238E27FC236}">
+                <a16:creationId xmlns:a16="http://schemas.microsoft.com/office/drawing/2014/main" id="{309A6349-64A5-4646-B323-E8F8BD9DF799}"/>
               </a:ext>
             </a:extLst>
           </p:cNvPr>
@@ -4470,8 +4476,8 @@
         </p:blipFill>
         <p:spPr>
           <a:xfrm>
-            <a:off x="702013" y="4446281"/>
-            <a:ext cx="3435513" cy="2046439"/>
+            <a:off x="576178" y="1117596"/>
+            <a:ext cx="3435512" cy="2046438"/>
           </a:xfrm>
           <a:prstGeom prst="rect">
             <a:avLst/>
@@ -4480,10 +4486,10 @@
       </p:pic>
       <p:pic>
         <p:nvPicPr>
-          <p:cNvPr id="15" name="Picture 14">
-            <a:extLst>
-              <a:ext uri="{FF2B5EF4-FFF2-40B4-BE49-F238E27FC236}">
-                <a16:creationId xmlns:a16="http://schemas.microsoft.com/office/drawing/2014/main" id="{309A6349-64A5-4646-B323-E8F8BD9DF799}"/>
+          <p:cNvPr id="6" name="Picture 5">
+            <a:extLst>
+              <a:ext uri="{FF2B5EF4-FFF2-40B4-BE49-F238E27FC236}">
+                <a16:creationId xmlns:a16="http://schemas.microsoft.com/office/drawing/2014/main" id="{CF1E913C-D8B2-4C49-BF39-4287F649BC52}"/>
               </a:ext>
             </a:extLst>
           </p:cNvPr>
@@ -4500,8 +4506,8 @@
         </p:blipFill>
         <p:spPr>
           <a:xfrm>
-            <a:off x="576178" y="1117596"/>
-            <a:ext cx="3435512" cy="2046438"/>
+            <a:off x="8028265" y="3429000"/>
+            <a:ext cx="3811549" cy="2766984"/>
           </a:xfrm>
           <a:prstGeom prst="rect">
             <a:avLst/>
@@ -5075,10 +5081,10 @@
       </p:pic>
       <p:pic>
         <p:nvPicPr>
-          <p:cNvPr id="10" name="Picture 9">
-            <a:extLst>
-              <a:ext uri="{FF2B5EF4-FFF2-40B4-BE49-F238E27FC236}">
-                <a16:creationId xmlns:a16="http://schemas.microsoft.com/office/drawing/2014/main" id="{7302943F-9912-48B2-A4BB-2F0C967EE7D3}"/>
+          <p:cNvPr id="8" name="Picture 7">
+            <a:extLst>
+              <a:ext uri="{FF2B5EF4-FFF2-40B4-BE49-F238E27FC236}">
+                <a16:creationId xmlns:a16="http://schemas.microsoft.com/office/drawing/2014/main" id="{371A26C1-BC1A-4B1A-982D-7F957370BB28}"/>
               </a:ext>
             </a:extLst>
           </p:cNvPr>
@@ -5095,8 +5101,8 @@
         </p:blipFill>
         <p:spPr>
           <a:xfrm>
-            <a:off x="8411803" y="4165061"/>
-            <a:ext cx="3420351" cy="2037407"/>
+            <a:off x="8071949" y="3429000"/>
+            <a:ext cx="3903083" cy="2833433"/>
           </a:xfrm>
           <a:prstGeom prst="rect">
             <a:avLst/>
@@ -5117,6 +5123,286 @@
 </file>
 
 <file path=ppt/slides/slide17.xml><?xml version="1.0" encoding="utf-8"?>
+<p:sld xmlns:a="http://schemas.openxmlformats.org/drawingml/2006/main" xmlns:r="http://schemas.openxmlformats.org/officeDocument/2006/relationships" xmlns:p="http://schemas.openxmlformats.org/presentationml/2006/main">
+  <p:cSld>
+    <p:spTree>
+      <p:nvGrpSpPr>
+        <p:cNvPr id="1" name=""/>
+        <p:cNvGrpSpPr/>
+        <p:nvPr/>
+      </p:nvGrpSpPr>
+      <p:grpSpPr>
+        <a:xfrm>
+          <a:off x="0" y="0"/>
+          <a:ext cx="0" cy="0"/>
+          <a:chOff x="0" y="0"/>
+          <a:chExt cx="0" cy="0"/>
+        </a:xfrm>
+      </p:grpSpPr>
+      <p:sp>
+        <p:nvSpPr>
+          <p:cNvPr id="2" name="Title 1">
+            <a:extLst>
+              <a:ext uri="{FF2B5EF4-FFF2-40B4-BE49-F238E27FC236}">
+                <a16:creationId xmlns:a16="http://schemas.microsoft.com/office/drawing/2014/main" id="{AD584A5A-8240-4177-827B-788B43A7CF95}"/>
+              </a:ext>
+            </a:extLst>
+          </p:cNvPr>
+          <p:cNvSpPr>
+            <a:spLocks noGrp="1"/>
+          </p:cNvSpPr>
+          <p:nvPr>
+            <p:ph type="title"/>
+          </p:nvPr>
+        </p:nvSpPr>
+        <p:spPr>
+          <a:xfrm>
+            <a:off x="410362" y="180567"/>
+            <a:ext cx="11334225" cy="868057"/>
+          </a:xfrm>
+        </p:spPr>
+        <p:txBody>
+          <a:bodyPr>
+            <a:normAutofit/>
+          </a:bodyPr>
+          <a:lstStyle/>
+          <a:p>
+            <a:r>
+              <a:rPr lang="en-US" sz="2400" dirty="0"/>
+              <a:t>Participants who frequently gambled &gt;60% (n=23)</a:t>
+            </a:r>
+          </a:p>
+        </p:txBody>
+      </p:sp>
+      <p:sp>
+        <p:nvSpPr>
+          <p:cNvPr id="4" name="TextBox 3">
+            <a:extLst>
+              <a:ext uri="{FF2B5EF4-FFF2-40B4-BE49-F238E27FC236}">
+                <a16:creationId xmlns:a16="http://schemas.microsoft.com/office/drawing/2014/main" id="{CA24A39E-E73F-46FF-A441-3EBE8FB737B9}"/>
+              </a:ext>
+            </a:extLst>
+          </p:cNvPr>
+          <p:cNvSpPr txBox="1"/>
+          <p:nvPr/>
+        </p:nvSpPr>
+        <p:spPr>
+          <a:xfrm>
+            <a:off x="5235327" y="3184669"/>
+            <a:ext cx="2509470" cy="276999"/>
+          </a:xfrm>
+          <a:prstGeom prst="rect">
+            <a:avLst/>
+          </a:prstGeom>
+          <a:noFill/>
+        </p:spPr>
+        <p:txBody>
+          <a:bodyPr wrap="none" rtlCol="0">
+            <a:spAutoFit/>
+          </a:bodyPr>
+          <a:lstStyle/>
+          <a:p>
+            <a:r>
+              <a:rPr lang="en-US" sz="1200" dirty="0"/>
+              <a:t>Blue = subgroup; red= all participants</a:t>
+            </a:r>
+          </a:p>
+        </p:txBody>
+      </p:sp>
+      <p:pic>
+        <p:nvPicPr>
+          <p:cNvPr id="10" name="Picture 9">
+            <a:extLst>
+              <a:ext uri="{FF2B5EF4-FFF2-40B4-BE49-F238E27FC236}">
+                <a16:creationId xmlns:a16="http://schemas.microsoft.com/office/drawing/2014/main" id="{43DCC291-7E6E-4CB0-AB61-74D264169492}"/>
+              </a:ext>
+            </a:extLst>
+          </p:cNvPr>
+          <p:cNvPicPr>
+            <a:picLocks noChangeAspect="1"/>
+          </p:cNvPicPr>
+          <p:nvPr/>
+        </p:nvPicPr>
+        <p:blipFill>
+          <a:blip r:embed="rId2"/>
+          <a:stretch>
+            <a:fillRect/>
+          </a:stretch>
+        </p:blipFill>
+        <p:spPr>
+          <a:xfrm>
+            <a:off x="248055" y="3798615"/>
+            <a:ext cx="3965600" cy="2878818"/>
+          </a:xfrm>
+          <a:prstGeom prst="rect">
+            <a:avLst/>
+          </a:prstGeom>
+        </p:spPr>
+      </p:pic>
+      <p:pic>
+        <p:nvPicPr>
+          <p:cNvPr id="11" name="Picture 10">
+            <a:extLst>
+              <a:ext uri="{FF2B5EF4-FFF2-40B4-BE49-F238E27FC236}">
+                <a16:creationId xmlns:a16="http://schemas.microsoft.com/office/drawing/2014/main" id="{2FD56273-D2C3-402D-94E7-519DCAD555BF}"/>
+              </a:ext>
+            </a:extLst>
+          </p:cNvPr>
+          <p:cNvPicPr>
+            <a:picLocks noChangeAspect="1"/>
+          </p:cNvPicPr>
+          <p:nvPr/>
+        </p:nvPicPr>
+        <p:blipFill>
+          <a:blip r:embed="rId3"/>
+          <a:stretch>
+            <a:fillRect/>
+          </a:stretch>
+        </p:blipFill>
+        <p:spPr>
+          <a:xfrm>
+            <a:off x="4877964" y="946348"/>
+            <a:ext cx="3224195" cy="2340597"/>
+          </a:xfrm>
+          <a:prstGeom prst="rect">
+            <a:avLst/>
+          </a:prstGeom>
+        </p:spPr>
+      </p:pic>
+      <p:pic>
+        <p:nvPicPr>
+          <p:cNvPr id="12" name="Picture 11">
+            <a:extLst>
+              <a:ext uri="{FF2B5EF4-FFF2-40B4-BE49-F238E27FC236}">
+                <a16:creationId xmlns:a16="http://schemas.microsoft.com/office/drawing/2014/main" id="{09058E86-266C-4AF1-A3CC-9E7083507237}"/>
+              </a:ext>
+            </a:extLst>
+          </p:cNvPr>
+          <p:cNvPicPr>
+            <a:picLocks noChangeAspect="1"/>
+          </p:cNvPicPr>
+          <p:nvPr/>
+        </p:nvPicPr>
+        <p:blipFill>
+          <a:blip r:embed="rId4"/>
+          <a:stretch>
+            <a:fillRect/>
+          </a:stretch>
+        </p:blipFill>
+        <p:spPr>
+          <a:xfrm>
+            <a:off x="8520390" y="881433"/>
+            <a:ext cx="3224197" cy="2340598"/>
+          </a:xfrm>
+          <a:prstGeom prst="rect">
+            <a:avLst/>
+          </a:prstGeom>
+        </p:spPr>
+      </p:pic>
+      <p:pic>
+        <p:nvPicPr>
+          <p:cNvPr id="13" name="Picture 12">
+            <a:extLst>
+              <a:ext uri="{FF2B5EF4-FFF2-40B4-BE49-F238E27FC236}">
+                <a16:creationId xmlns:a16="http://schemas.microsoft.com/office/drawing/2014/main" id="{92C378B6-4660-4CD0-B6BF-2D654639BD0E}"/>
+              </a:ext>
+            </a:extLst>
+          </p:cNvPr>
+          <p:cNvPicPr>
+            <a:picLocks noChangeAspect="1"/>
+          </p:cNvPicPr>
+          <p:nvPr/>
+        </p:nvPicPr>
+        <p:blipFill>
+          <a:blip r:embed="rId5"/>
+          <a:stretch>
+            <a:fillRect/>
+          </a:stretch>
+        </p:blipFill>
+        <p:spPr>
+          <a:xfrm>
+            <a:off x="4213655" y="3937656"/>
+            <a:ext cx="3582540" cy="2600736"/>
+          </a:xfrm>
+          <a:prstGeom prst="rect">
+            <a:avLst/>
+          </a:prstGeom>
+        </p:spPr>
+      </p:pic>
+      <p:pic>
+        <p:nvPicPr>
+          <p:cNvPr id="15" name="Picture 14">
+            <a:extLst>
+              <a:ext uri="{FF2B5EF4-FFF2-40B4-BE49-F238E27FC236}">
+                <a16:creationId xmlns:a16="http://schemas.microsoft.com/office/drawing/2014/main" id="{59986D2F-F7FE-4C79-8C7E-20D1764AF456}"/>
+              </a:ext>
+            </a:extLst>
+          </p:cNvPr>
+          <p:cNvPicPr>
+            <a:picLocks noChangeAspect="1"/>
+          </p:cNvPicPr>
+          <p:nvPr/>
+        </p:nvPicPr>
+        <p:blipFill>
+          <a:blip r:embed="rId6"/>
+          <a:stretch>
+            <a:fillRect/>
+          </a:stretch>
+        </p:blipFill>
+        <p:spPr>
+          <a:xfrm>
+            <a:off x="447413" y="1048624"/>
+            <a:ext cx="3508400" cy="2546915"/>
+          </a:xfrm>
+          <a:prstGeom prst="rect">
+            <a:avLst/>
+          </a:prstGeom>
+        </p:spPr>
+      </p:pic>
+      <p:pic>
+        <p:nvPicPr>
+          <p:cNvPr id="16" name="Picture 15">
+            <a:extLst>
+              <a:ext uri="{FF2B5EF4-FFF2-40B4-BE49-F238E27FC236}">
+                <a16:creationId xmlns:a16="http://schemas.microsoft.com/office/drawing/2014/main" id="{4F4AE5B6-F9D0-4029-B062-E6D50BA9BA35}"/>
+              </a:ext>
+            </a:extLst>
+          </p:cNvPr>
+          <p:cNvPicPr>
+            <a:picLocks noChangeAspect="1"/>
+          </p:cNvPicPr>
+          <p:nvPr/>
+        </p:nvPicPr>
+        <p:blipFill>
+          <a:blip r:embed="rId7"/>
+          <a:stretch>
+            <a:fillRect/>
+          </a:stretch>
+        </p:blipFill>
+        <p:spPr>
+          <a:xfrm>
+            <a:off x="7909004" y="3595539"/>
+            <a:ext cx="4128074" cy="2996765"/>
+          </a:xfrm>
+          <a:prstGeom prst="rect">
+            <a:avLst/>
+          </a:prstGeom>
+        </p:spPr>
+      </p:pic>
+    </p:spTree>
+    <p:extLst>
+      <p:ext uri="{BB962C8B-B14F-4D97-AF65-F5344CB8AC3E}">
+        <p14:creationId xmlns:p14="http://schemas.microsoft.com/office/powerpoint/2010/main" val="3551216060"/>
+      </p:ext>
+    </p:extLst>
+  </p:cSld>
+  <p:clrMapOvr>
+    <a:masterClrMapping/>
+  </p:clrMapOvr>
+</p:sld>
+</file>
+
+<file path=ppt/slides/slide18.xml><?xml version="1.0" encoding="utf-8"?>
 <p:sld xmlns:a="http://schemas.openxmlformats.org/drawingml/2006/main" xmlns:r="http://schemas.openxmlformats.org/officeDocument/2006/relationships" xmlns:p="http://schemas.openxmlformats.org/presentationml/2006/main">
   <p:cSld>
     <p:spTree>

--- a/RampV03Presentation.pptx
+++ b/RampV03Presentation.pptx
@@ -23,6 +23,8 @@
     <p:sldId id="269" r:id="rId17"/>
     <p:sldId id="274" r:id="rId18"/>
     <p:sldId id="273" r:id="rId19"/>
+    <p:sldId id="276" r:id="rId20"/>
+    <p:sldId id="275" r:id="rId21"/>
   </p:sldIdLst>
   <p:sldSz cx="12192000" cy="6858000"/>
   <p:notesSz cx="6858000" cy="9144000"/>
@@ -5506,6 +5508,693 @@
 </p:sld>
 </file>
 
+<file path=ppt/slides/slide19.xml><?xml version="1.0" encoding="utf-8"?>
+<p:sld xmlns:a="http://schemas.openxmlformats.org/drawingml/2006/main" xmlns:r="http://schemas.openxmlformats.org/officeDocument/2006/relationships" xmlns:p="http://schemas.openxmlformats.org/presentationml/2006/main">
+  <p:cSld>
+    <p:spTree>
+      <p:nvGrpSpPr>
+        <p:cNvPr id="1" name=""/>
+        <p:cNvGrpSpPr/>
+        <p:nvPr/>
+      </p:nvGrpSpPr>
+      <p:grpSpPr>
+        <a:xfrm>
+          <a:off x="0" y="0"/>
+          <a:ext cx="0" cy="0"/>
+          <a:chOff x="0" y="0"/>
+          <a:chExt cx="0" cy="0"/>
+        </a:xfrm>
+      </p:grpSpPr>
+      <p:pic>
+        <p:nvPicPr>
+          <p:cNvPr id="5" name="Picture 4">
+            <a:extLst>
+              <a:ext uri="{FF2B5EF4-FFF2-40B4-BE49-F238E27FC236}">
+                <a16:creationId xmlns:a16="http://schemas.microsoft.com/office/drawing/2014/main" id="{97DEAB87-48D8-48FC-BC2B-9857105D04A7}"/>
+              </a:ext>
+            </a:extLst>
+          </p:cNvPr>
+          <p:cNvPicPr>
+            <a:picLocks noChangeAspect="1"/>
+          </p:cNvPicPr>
+          <p:nvPr/>
+        </p:nvPicPr>
+        <p:blipFill>
+          <a:blip r:embed="rId2"/>
+          <a:stretch>
+            <a:fillRect/>
+          </a:stretch>
+        </p:blipFill>
+        <p:spPr>
+          <a:xfrm>
+            <a:off x="5334423" y="4498019"/>
+            <a:ext cx="1280686" cy="798001"/>
+          </a:xfrm>
+          <a:prstGeom prst="rect">
+            <a:avLst/>
+          </a:prstGeom>
+        </p:spPr>
+      </p:pic>
+      <p:pic>
+        <p:nvPicPr>
+          <p:cNvPr id="6" name="Picture 5">
+            <a:extLst>
+              <a:ext uri="{FF2B5EF4-FFF2-40B4-BE49-F238E27FC236}">
+                <a16:creationId xmlns:a16="http://schemas.microsoft.com/office/drawing/2014/main" id="{AA840E72-F83F-4351-AF50-669259CA4E98}"/>
+              </a:ext>
+            </a:extLst>
+          </p:cNvPr>
+          <p:cNvPicPr>
+            <a:picLocks noChangeAspect="1"/>
+          </p:cNvPicPr>
+          <p:nvPr/>
+        </p:nvPicPr>
+        <p:blipFill>
+          <a:blip r:embed="rId3"/>
+          <a:stretch>
+            <a:fillRect/>
+          </a:stretch>
+        </p:blipFill>
+        <p:spPr>
+          <a:xfrm>
+            <a:off x="4968898" y="152549"/>
+            <a:ext cx="2000323" cy="1276567"/>
+          </a:xfrm>
+          <a:prstGeom prst="rect">
+            <a:avLst/>
+          </a:prstGeom>
+        </p:spPr>
+      </p:pic>
+      <p:pic>
+        <p:nvPicPr>
+          <p:cNvPr id="7" name="Picture 6">
+            <a:extLst>
+              <a:ext uri="{FF2B5EF4-FFF2-40B4-BE49-F238E27FC236}">
+                <a16:creationId xmlns:a16="http://schemas.microsoft.com/office/drawing/2014/main" id="{75585897-2B3F-4C34-959D-35795515FEAC}"/>
+              </a:ext>
+            </a:extLst>
+          </p:cNvPr>
+          <p:cNvPicPr>
+            <a:picLocks noChangeAspect="1"/>
+          </p:cNvPicPr>
+          <p:nvPr/>
+        </p:nvPicPr>
+        <p:blipFill>
+          <a:blip r:embed="rId4"/>
+          <a:stretch>
+            <a:fillRect/>
+          </a:stretch>
+        </p:blipFill>
+        <p:spPr>
+          <a:xfrm>
+            <a:off x="4822402" y="1585175"/>
+            <a:ext cx="2229285" cy="1520984"/>
+          </a:xfrm>
+          <a:prstGeom prst="rect">
+            <a:avLst/>
+          </a:prstGeom>
+        </p:spPr>
+      </p:pic>
+      <p:pic>
+        <p:nvPicPr>
+          <p:cNvPr id="8" name="Picture 7">
+            <a:extLst>
+              <a:ext uri="{FF2B5EF4-FFF2-40B4-BE49-F238E27FC236}">
+                <a16:creationId xmlns:a16="http://schemas.microsoft.com/office/drawing/2014/main" id="{4714E367-224B-4A53-9420-FA6D3677D1F5}"/>
+              </a:ext>
+            </a:extLst>
+          </p:cNvPr>
+          <p:cNvPicPr>
+            <a:picLocks noChangeAspect="1"/>
+          </p:cNvPicPr>
+          <p:nvPr/>
+        </p:nvPicPr>
+        <p:blipFill>
+          <a:blip r:embed="rId5"/>
+          <a:stretch>
+            <a:fillRect/>
+          </a:stretch>
+        </p:blipFill>
+        <p:spPr>
+          <a:xfrm>
+            <a:off x="5283863" y="3122937"/>
+            <a:ext cx="1331246" cy="968179"/>
+          </a:xfrm>
+          <a:prstGeom prst="rect">
+            <a:avLst/>
+          </a:prstGeom>
+        </p:spPr>
+      </p:pic>
+      <p:pic>
+        <p:nvPicPr>
+          <p:cNvPr id="9" name="Picture 8">
+            <a:extLst>
+              <a:ext uri="{FF2B5EF4-FFF2-40B4-BE49-F238E27FC236}">
+                <a16:creationId xmlns:a16="http://schemas.microsoft.com/office/drawing/2014/main" id="{8AFAB779-7A04-49C2-A8B5-DA09DF394475}"/>
+              </a:ext>
+            </a:extLst>
+          </p:cNvPr>
+          <p:cNvPicPr>
+            <a:picLocks noChangeAspect="1"/>
+          </p:cNvPicPr>
+          <p:nvPr/>
+        </p:nvPicPr>
+        <p:blipFill>
+          <a:blip r:embed="rId6"/>
+          <a:stretch>
+            <a:fillRect/>
+          </a:stretch>
+        </p:blipFill>
+        <p:spPr>
+          <a:xfrm>
+            <a:off x="6966102" y="5658280"/>
+            <a:ext cx="1708230" cy="1241665"/>
+          </a:xfrm>
+          <a:prstGeom prst="rect">
+            <a:avLst/>
+          </a:prstGeom>
+        </p:spPr>
+      </p:pic>
+      <p:pic>
+        <p:nvPicPr>
+          <p:cNvPr id="11" name="Picture 10">
+            <a:extLst>
+              <a:ext uri="{FF2B5EF4-FFF2-40B4-BE49-F238E27FC236}">
+                <a16:creationId xmlns:a16="http://schemas.microsoft.com/office/drawing/2014/main" id="{0955F384-5AB7-478B-8DB0-14572A91BD2D}"/>
+              </a:ext>
+            </a:extLst>
+          </p:cNvPr>
+          <p:cNvPicPr>
+            <a:picLocks noChangeAspect="1"/>
+          </p:cNvPicPr>
+          <p:nvPr/>
+        </p:nvPicPr>
+        <p:blipFill>
+          <a:blip r:embed="rId7"/>
+          <a:stretch>
+            <a:fillRect/>
+          </a:stretch>
+        </p:blipFill>
+        <p:spPr>
+          <a:xfrm>
+            <a:off x="3355580" y="5677239"/>
+            <a:ext cx="1613318" cy="1028212"/>
+          </a:xfrm>
+          <a:prstGeom prst="rect">
+            <a:avLst/>
+          </a:prstGeom>
+        </p:spPr>
+      </p:pic>
+      <p:sp>
+        <p:nvSpPr>
+          <p:cNvPr id="12" name="Rectangle 11">
+            <a:extLst>
+              <a:ext uri="{FF2B5EF4-FFF2-40B4-BE49-F238E27FC236}">
+                <a16:creationId xmlns:a16="http://schemas.microsoft.com/office/drawing/2014/main" id="{8EE8CC48-8183-404E-8A7E-A2D8F9622BC1}"/>
+              </a:ext>
+            </a:extLst>
+          </p:cNvPr>
+          <p:cNvSpPr/>
+          <p:nvPr/>
+        </p:nvSpPr>
+        <p:spPr>
+          <a:xfrm>
+            <a:off x="5193079" y="4397282"/>
+            <a:ext cx="1501629" cy="968179"/>
+          </a:xfrm>
+          <a:prstGeom prst="rect">
+            <a:avLst/>
+          </a:prstGeom>
+          <a:noFill/>
+        </p:spPr>
+        <p:style>
+          <a:lnRef idx="2">
+            <a:schemeClr val="dk1"/>
+          </a:lnRef>
+          <a:fillRef idx="1">
+            <a:schemeClr val="lt1"/>
+          </a:fillRef>
+          <a:effectRef idx="0">
+            <a:schemeClr val="dk1"/>
+          </a:effectRef>
+          <a:fontRef idx="minor">
+            <a:schemeClr val="dk1"/>
+          </a:fontRef>
+        </p:style>
+        <p:txBody>
+          <a:bodyPr rtlCol="0" anchor="ctr"/>
+          <a:lstStyle/>
+          <a:p>
+            <a:pPr algn="ctr"/>
+            <a:endParaRPr lang="en-US"/>
+          </a:p>
+        </p:txBody>
+      </p:sp>
+      <p:sp>
+        <p:nvSpPr>
+          <p:cNvPr id="13" name="Rectangle 12">
+            <a:extLst>
+              <a:ext uri="{FF2B5EF4-FFF2-40B4-BE49-F238E27FC236}">
+                <a16:creationId xmlns:a16="http://schemas.microsoft.com/office/drawing/2014/main" id="{91D6BFE9-4D61-465C-ACB3-7CFFC36A6273}"/>
+              </a:ext>
+            </a:extLst>
+          </p:cNvPr>
+          <p:cNvSpPr/>
+          <p:nvPr/>
+        </p:nvSpPr>
+        <p:spPr>
+          <a:xfrm>
+            <a:off x="3284310" y="5592929"/>
+            <a:ext cx="1501629" cy="968179"/>
+          </a:xfrm>
+          <a:prstGeom prst="rect">
+            <a:avLst/>
+          </a:prstGeom>
+          <a:noFill/>
+        </p:spPr>
+        <p:style>
+          <a:lnRef idx="2">
+            <a:schemeClr val="dk1"/>
+          </a:lnRef>
+          <a:fillRef idx="1">
+            <a:schemeClr val="lt1"/>
+          </a:fillRef>
+          <a:effectRef idx="0">
+            <a:schemeClr val="dk1"/>
+          </a:effectRef>
+          <a:fontRef idx="minor">
+            <a:schemeClr val="dk1"/>
+          </a:fontRef>
+        </p:style>
+        <p:txBody>
+          <a:bodyPr rtlCol="0" anchor="ctr"/>
+          <a:lstStyle/>
+          <a:p>
+            <a:pPr algn="ctr"/>
+            <a:endParaRPr lang="en-US"/>
+          </a:p>
+        </p:txBody>
+      </p:sp>
+      <p:sp>
+        <p:nvSpPr>
+          <p:cNvPr id="14" name="Rectangle 13">
+            <a:extLst>
+              <a:ext uri="{FF2B5EF4-FFF2-40B4-BE49-F238E27FC236}">
+                <a16:creationId xmlns:a16="http://schemas.microsoft.com/office/drawing/2014/main" id="{1009163D-A13F-4B3F-90F5-A97250BF0898}"/>
+              </a:ext>
+            </a:extLst>
+          </p:cNvPr>
+          <p:cNvSpPr/>
+          <p:nvPr/>
+        </p:nvSpPr>
+        <p:spPr>
+          <a:xfrm>
+            <a:off x="7069403" y="5604993"/>
+            <a:ext cx="1501629" cy="968179"/>
+          </a:xfrm>
+          <a:prstGeom prst="rect">
+            <a:avLst/>
+          </a:prstGeom>
+          <a:noFill/>
+        </p:spPr>
+        <p:style>
+          <a:lnRef idx="2">
+            <a:schemeClr val="dk1"/>
+          </a:lnRef>
+          <a:fillRef idx="1">
+            <a:schemeClr val="lt1"/>
+          </a:fillRef>
+          <a:effectRef idx="0">
+            <a:schemeClr val="dk1"/>
+          </a:effectRef>
+          <a:fontRef idx="minor">
+            <a:schemeClr val="dk1"/>
+          </a:fontRef>
+        </p:style>
+        <p:txBody>
+          <a:bodyPr rtlCol="0" anchor="ctr"/>
+          <a:lstStyle/>
+          <a:p>
+            <a:pPr algn="ctr"/>
+            <a:endParaRPr lang="en-US"/>
+          </a:p>
+        </p:txBody>
+      </p:sp>
+      <p:sp>
+        <p:nvSpPr>
+          <p:cNvPr id="15" name="Rectangle 14">
+            <a:extLst>
+              <a:ext uri="{FF2B5EF4-FFF2-40B4-BE49-F238E27FC236}">
+                <a16:creationId xmlns:a16="http://schemas.microsoft.com/office/drawing/2014/main" id="{2A21F933-56CC-4D2D-8FE8-124DFD62AFF4}"/>
+              </a:ext>
+            </a:extLst>
+          </p:cNvPr>
+          <p:cNvSpPr/>
+          <p:nvPr/>
+        </p:nvSpPr>
+        <p:spPr>
+          <a:xfrm>
+            <a:off x="5198671" y="3036718"/>
+            <a:ext cx="1501629" cy="968179"/>
+          </a:xfrm>
+          <a:prstGeom prst="rect">
+            <a:avLst/>
+          </a:prstGeom>
+          <a:noFill/>
+        </p:spPr>
+        <p:style>
+          <a:lnRef idx="2">
+            <a:schemeClr val="dk1"/>
+          </a:lnRef>
+          <a:fillRef idx="1">
+            <a:schemeClr val="lt1"/>
+          </a:fillRef>
+          <a:effectRef idx="0">
+            <a:schemeClr val="dk1"/>
+          </a:effectRef>
+          <a:fontRef idx="minor">
+            <a:schemeClr val="dk1"/>
+          </a:fontRef>
+        </p:style>
+        <p:txBody>
+          <a:bodyPr rtlCol="0" anchor="ctr"/>
+          <a:lstStyle/>
+          <a:p>
+            <a:pPr algn="ctr"/>
+            <a:endParaRPr lang="en-US"/>
+          </a:p>
+        </p:txBody>
+      </p:sp>
+      <p:sp>
+        <p:nvSpPr>
+          <p:cNvPr id="16" name="Rectangle 15">
+            <a:extLst>
+              <a:ext uri="{FF2B5EF4-FFF2-40B4-BE49-F238E27FC236}">
+                <a16:creationId xmlns:a16="http://schemas.microsoft.com/office/drawing/2014/main" id="{5E82EE6F-7971-40D5-9D07-20A8F51CBCD8}"/>
+              </a:ext>
+            </a:extLst>
+          </p:cNvPr>
+          <p:cNvSpPr/>
+          <p:nvPr/>
+        </p:nvSpPr>
+        <p:spPr>
+          <a:xfrm>
+            <a:off x="5193078" y="1665838"/>
+            <a:ext cx="1501629" cy="968179"/>
+          </a:xfrm>
+          <a:prstGeom prst="rect">
+            <a:avLst/>
+          </a:prstGeom>
+          <a:noFill/>
+        </p:spPr>
+        <p:style>
+          <a:lnRef idx="2">
+            <a:schemeClr val="dk1"/>
+          </a:lnRef>
+          <a:fillRef idx="1">
+            <a:schemeClr val="lt1"/>
+          </a:fillRef>
+          <a:effectRef idx="0">
+            <a:schemeClr val="dk1"/>
+          </a:effectRef>
+          <a:fontRef idx="minor">
+            <a:schemeClr val="dk1"/>
+          </a:fontRef>
+        </p:style>
+        <p:txBody>
+          <a:bodyPr rtlCol="0" anchor="ctr"/>
+          <a:lstStyle/>
+          <a:p>
+            <a:pPr algn="ctr"/>
+            <a:endParaRPr lang="en-US"/>
+          </a:p>
+        </p:txBody>
+      </p:sp>
+      <p:sp>
+        <p:nvSpPr>
+          <p:cNvPr id="17" name="Rectangle 16">
+            <a:extLst>
+              <a:ext uri="{FF2B5EF4-FFF2-40B4-BE49-F238E27FC236}">
+                <a16:creationId xmlns:a16="http://schemas.microsoft.com/office/drawing/2014/main" id="{C9A441F6-E852-43C3-B9C1-09E01A68B909}"/>
+              </a:ext>
+            </a:extLst>
+          </p:cNvPr>
+          <p:cNvSpPr/>
+          <p:nvPr/>
+        </p:nvSpPr>
+        <p:spPr>
+          <a:xfrm>
+            <a:off x="5193079" y="321820"/>
+            <a:ext cx="1501629" cy="968179"/>
+          </a:xfrm>
+          <a:prstGeom prst="rect">
+            <a:avLst/>
+          </a:prstGeom>
+          <a:noFill/>
+        </p:spPr>
+        <p:style>
+          <a:lnRef idx="2">
+            <a:schemeClr val="dk1"/>
+          </a:lnRef>
+          <a:fillRef idx="1">
+            <a:schemeClr val="lt1"/>
+          </a:fillRef>
+          <a:effectRef idx="0">
+            <a:schemeClr val="dk1"/>
+          </a:effectRef>
+          <a:fontRef idx="minor">
+            <a:schemeClr val="dk1"/>
+          </a:fontRef>
+        </p:style>
+        <p:txBody>
+          <a:bodyPr rtlCol="0" anchor="ctr"/>
+          <a:lstStyle/>
+          <a:p>
+            <a:pPr algn="ctr"/>
+            <a:endParaRPr lang="en-US"/>
+          </a:p>
+        </p:txBody>
+      </p:sp>
+      <p:cxnSp>
+        <p:nvCxnSpPr>
+          <p:cNvPr id="19" name="Straight Arrow Connector 18">
+            <a:extLst>
+              <a:ext uri="{FF2B5EF4-FFF2-40B4-BE49-F238E27FC236}">
+                <a16:creationId xmlns:a16="http://schemas.microsoft.com/office/drawing/2014/main" id="{FCAAAA96-09DE-4895-83CF-783FE5167EB7}"/>
+              </a:ext>
+            </a:extLst>
+          </p:cNvPr>
+          <p:cNvCxnSpPr>
+            <a:cxnSpLocks/>
+            <a:stCxn id="17" idx="2"/>
+            <a:endCxn id="16" idx="0"/>
+          </p:cNvCxnSpPr>
+          <p:nvPr/>
+        </p:nvCxnSpPr>
+        <p:spPr>
+          <a:xfrm flipH="1">
+            <a:off x="5943893" y="1289999"/>
+            <a:ext cx="1" cy="375839"/>
+          </a:xfrm>
+          <a:prstGeom prst="straightConnector1">
+            <a:avLst/>
+          </a:prstGeom>
+          <a:ln>
+            <a:tailEnd type="triangle"/>
+          </a:ln>
+        </p:spPr>
+        <p:style>
+          <a:lnRef idx="1">
+            <a:schemeClr val="dk1"/>
+          </a:lnRef>
+          <a:fillRef idx="0">
+            <a:schemeClr val="dk1"/>
+          </a:fillRef>
+          <a:effectRef idx="0">
+            <a:schemeClr val="dk1"/>
+          </a:effectRef>
+          <a:fontRef idx="minor">
+            <a:schemeClr val="tx1"/>
+          </a:fontRef>
+        </p:style>
+      </p:cxnSp>
+      <p:cxnSp>
+        <p:nvCxnSpPr>
+          <p:cNvPr id="20" name="Straight Arrow Connector 19">
+            <a:extLst>
+              <a:ext uri="{FF2B5EF4-FFF2-40B4-BE49-F238E27FC236}">
+                <a16:creationId xmlns:a16="http://schemas.microsoft.com/office/drawing/2014/main" id="{DF704BF1-544D-40B6-A525-0E3746954A50}"/>
+              </a:ext>
+            </a:extLst>
+          </p:cNvPr>
+          <p:cNvCxnSpPr>
+            <a:cxnSpLocks/>
+          </p:cNvCxnSpPr>
+          <p:nvPr/>
+        </p:nvCxnSpPr>
+        <p:spPr>
+          <a:xfrm flipH="1">
+            <a:off x="5937044" y="2659540"/>
+            <a:ext cx="1" cy="341011"/>
+          </a:xfrm>
+          <a:prstGeom prst="straightConnector1">
+            <a:avLst/>
+          </a:prstGeom>
+          <a:ln>
+            <a:tailEnd type="triangle"/>
+          </a:ln>
+        </p:spPr>
+        <p:style>
+          <a:lnRef idx="1">
+            <a:schemeClr val="dk1"/>
+          </a:lnRef>
+          <a:fillRef idx="0">
+            <a:schemeClr val="dk1"/>
+          </a:fillRef>
+          <a:effectRef idx="0">
+            <a:schemeClr val="dk1"/>
+          </a:effectRef>
+          <a:fontRef idx="minor">
+            <a:schemeClr val="tx1"/>
+          </a:fontRef>
+        </p:style>
+      </p:cxnSp>
+      <p:cxnSp>
+        <p:nvCxnSpPr>
+          <p:cNvPr id="21" name="Straight Arrow Connector 20">
+            <a:extLst>
+              <a:ext uri="{FF2B5EF4-FFF2-40B4-BE49-F238E27FC236}">
+                <a16:creationId xmlns:a16="http://schemas.microsoft.com/office/drawing/2014/main" id="{B0F73E94-7F76-462A-B87E-FBC53AA5BD72}"/>
+              </a:ext>
+            </a:extLst>
+          </p:cNvPr>
+          <p:cNvCxnSpPr>
+            <a:cxnSpLocks/>
+          </p:cNvCxnSpPr>
+          <p:nvPr/>
+        </p:nvCxnSpPr>
+        <p:spPr>
+          <a:xfrm flipH="1">
+            <a:off x="5943894" y="4015615"/>
+            <a:ext cx="5592" cy="306166"/>
+          </a:xfrm>
+          <a:prstGeom prst="straightConnector1">
+            <a:avLst/>
+          </a:prstGeom>
+          <a:ln>
+            <a:tailEnd type="triangle"/>
+          </a:ln>
+        </p:spPr>
+        <p:style>
+          <a:lnRef idx="1">
+            <a:schemeClr val="dk1"/>
+          </a:lnRef>
+          <a:fillRef idx="0">
+            <a:schemeClr val="dk1"/>
+          </a:fillRef>
+          <a:effectRef idx="0">
+            <a:schemeClr val="dk1"/>
+          </a:effectRef>
+          <a:fontRef idx="minor">
+            <a:schemeClr val="tx1"/>
+          </a:fontRef>
+        </p:style>
+      </p:cxnSp>
+      <p:cxnSp>
+        <p:nvCxnSpPr>
+          <p:cNvPr id="27" name="Straight Arrow Connector 26">
+            <a:extLst>
+              <a:ext uri="{FF2B5EF4-FFF2-40B4-BE49-F238E27FC236}">
+                <a16:creationId xmlns:a16="http://schemas.microsoft.com/office/drawing/2014/main" id="{324F4D78-734C-4934-8276-5DFEE448A779}"/>
+              </a:ext>
+            </a:extLst>
+          </p:cNvPr>
+          <p:cNvCxnSpPr>
+            <a:cxnSpLocks/>
+          </p:cNvCxnSpPr>
+          <p:nvPr/>
+        </p:nvCxnSpPr>
+        <p:spPr>
+          <a:xfrm flipH="1">
+            <a:off x="4785939" y="5360706"/>
+            <a:ext cx="387565" cy="232223"/>
+          </a:xfrm>
+          <a:prstGeom prst="straightConnector1">
+            <a:avLst/>
+          </a:prstGeom>
+          <a:ln>
+            <a:tailEnd type="triangle"/>
+          </a:ln>
+        </p:spPr>
+        <p:style>
+          <a:lnRef idx="1">
+            <a:schemeClr val="dk1"/>
+          </a:lnRef>
+          <a:fillRef idx="0">
+            <a:schemeClr val="dk1"/>
+          </a:fillRef>
+          <a:effectRef idx="0">
+            <a:schemeClr val="dk1"/>
+          </a:effectRef>
+          <a:fontRef idx="minor">
+            <a:schemeClr val="tx1"/>
+          </a:fontRef>
+        </p:style>
+      </p:cxnSp>
+      <p:cxnSp>
+        <p:nvCxnSpPr>
+          <p:cNvPr id="29" name="Straight Arrow Connector 28">
+            <a:extLst>
+              <a:ext uri="{FF2B5EF4-FFF2-40B4-BE49-F238E27FC236}">
+                <a16:creationId xmlns:a16="http://schemas.microsoft.com/office/drawing/2014/main" id="{6B8440F2-7C89-4329-9DC3-C9AE6FEBB671}"/>
+              </a:ext>
+            </a:extLst>
+          </p:cNvPr>
+          <p:cNvCxnSpPr>
+            <a:cxnSpLocks/>
+          </p:cNvCxnSpPr>
+          <p:nvPr/>
+        </p:nvCxnSpPr>
+        <p:spPr>
+          <a:xfrm>
+            <a:off x="6694708" y="5369764"/>
+            <a:ext cx="356979" cy="246571"/>
+          </a:xfrm>
+          <a:prstGeom prst="straightConnector1">
+            <a:avLst/>
+          </a:prstGeom>
+          <a:ln>
+            <a:tailEnd type="triangle"/>
+          </a:ln>
+        </p:spPr>
+        <p:style>
+          <a:lnRef idx="1">
+            <a:schemeClr val="dk1"/>
+          </a:lnRef>
+          <a:fillRef idx="0">
+            <a:schemeClr val="dk1"/>
+          </a:fillRef>
+          <a:effectRef idx="0">
+            <a:schemeClr val="dk1"/>
+          </a:effectRef>
+          <a:fontRef idx="minor">
+            <a:schemeClr val="tx1"/>
+          </a:fontRef>
+        </p:style>
+      </p:cxnSp>
+    </p:spTree>
+    <p:extLst>
+      <p:ext uri="{BB962C8B-B14F-4D97-AF65-F5344CB8AC3E}">
+        <p14:creationId xmlns:p14="http://schemas.microsoft.com/office/powerpoint/2010/main" val="26083981"/>
+      </p:ext>
+    </p:extLst>
+  </p:cSld>
+  <p:clrMapOvr>
+    <a:masterClrMapping/>
+  </p:clrMapOvr>
+</p:sld>
+</file>
+
 <file path=ppt/slides/slide2.xml><?xml version="1.0" encoding="utf-8"?>
 <p:sld xmlns:a="http://schemas.openxmlformats.org/drawingml/2006/main" xmlns:r="http://schemas.openxmlformats.org/officeDocument/2006/relationships" xmlns:p="http://schemas.openxmlformats.org/presentationml/2006/main">
   <p:cSld>
@@ -5635,6 +6324,186 @@
     <p:extLst>
       <p:ext uri="{BB962C8B-B14F-4D97-AF65-F5344CB8AC3E}">
         <p14:creationId xmlns:p14="http://schemas.microsoft.com/office/powerpoint/2010/main" val="676439531"/>
+      </p:ext>
+    </p:extLst>
+  </p:cSld>
+  <p:clrMapOvr>
+    <a:masterClrMapping/>
+  </p:clrMapOvr>
+</p:sld>
+</file>
+
+<file path=ppt/slides/slide20.xml><?xml version="1.0" encoding="utf-8"?>
+<p:sld xmlns:a="http://schemas.openxmlformats.org/drawingml/2006/main" xmlns:r="http://schemas.openxmlformats.org/officeDocument/2006/relationships" xmlns:p="http://schemas.openxmlformats.org/presentationml/2006/main">
+  <p:cSld>
+    <p:spTree>
+      <p:nvGrpSpPr>
+        <p:cNvPr id="1" name=""/>
+        <p:cNvGrpSpPr/>
+        <p:nvPr/>
+      </p:nvGrpSpPr>
+      <p:grpSpPr>
+        <a:xfrm>
+          <a:off x="0" y="0"/>
+          <a:ext cx="0" cy="0"/>
+          <a:chOff x="0" y="0"/>
+          <a:chExt cx="0" cy="0"/>
+        </a:xfrm>
+      </p:grpSpPr>
+      <p:pic>
+        <p:nvPicPr>
+          <p:cNvPr id="5" name="Picture 4">
+            <a:extLst>
+              <a:ext uri="{FF2B5EF4-FFF2-40B4-BE49-F238E27FC236}">
+                <a16:creationId xmlns:a16="http://schemas.microsoft.com/office/drawing/2014/main" id="{4643E5DB-12D6-4E8B-930E-3F8961F8271D}"/>
+              </a:ext>
+            </a:extLst>
+          </p:cNvPr>
+          <p:cNvPicPr>
+            <a:picLocks noChangeAspect="1"/>
+          </p:cNvPicPr>
+          <p:nvPr/>
+        </p:nvPicPr>
+        <p:blipFill>
+          <a:blip r:embed="rId2"/>
+          <a:stretch>
+            <a:fillRect/>
+          </a:stretch>
+        </p:blipFill>
+        <p:spPr>
+          <a:xfrm>
+            <a:off x="5785160" y="168550"/>
+            <a:ext cx="3656143" cy="2639234"/>
+          </a:xfrm>
+          <a:prstGeom prst="rect">
+            <a:avLst/>
+          </a:prstGeom>
+        </p:spPr>
+      </p:pic>
+      <p:pic>
+        <p:nvPicPr>
+          <p:cNvPr id="6" name="Picture 5">
+            <a:extLst>
+              <a:ext uri="{FF2B5EF4-FFF2-40B4-BE49-F238E27FC236}">
+                <a16:creationId xmlns:a16="http://schemas.microsoft.com/office/drawing/2014/main" id="{023D9B60-F4EE-4DB3-BEEF-19AC477FCC25}"/>
+              </a:ext>
+            </a:extLst>
+          </p:cNvPr>
+          <p:cNvPicPr>
+            <a:picLocks noChangeAspect="1"/>
+          </p:cNvPicPr>
+          <p:nvPr/>
+        </p:nvPicPr>
+        <p:blipFill>
+          <a:blip r:embed="rId3"/>
+          <a:stretch>
+            <a:fillRect/>
+          </a:stretch>
+        </p:blipFill>
+        <p:spPr>
+          <a:xfrm>
+            <a:off x="1257550" y="168550"/>
+            <a:ext cx="3656143" cy="2639234"/>
+          </a:xfrm>
+          <a:prstGeom prst="rect">
+            <a:avLst/>
+          </a:prstGeom>
+        </p:spPr>
+      </p:pic>
+      <p:pic>
+        <p:nvPicPr>
+          <p:cNvPr id="7" name="Picture 6">
+            <a:extLst>
+              <a:ext uri="{FF2B5EF4-FFF2-40B4-BE49-F238E27FC236}">
+                <a16:creationId xmlns:a16="http://schemas.microsoft.com/office/drawing/2014/main" id="{C89170B8-3F6B-4C8B-9436-BAEB9D931C78}"/>
+              </a:ext>
+            </a:extLst>
+          </p:cNvPr>
+          <p:cNvPicPr>
+            <a:picLocks noChangeAspect="1"/>
+          </p:cNvPicPr>
+          <p:nvPr/>
+        </p:nvPicPr>
+        <p:blipFill>
+          <a:blip r:embed="rId4"/>
+          <a:stretch>
+            <a:fillRect/>
+          </a:stretch>
+        </p:blipFill>
+        <p:spPr>
+          <a:xfrm>
+            <a:off x="840268" y="2807784"/>
+            <a:ext cx="2986293" cy="2155694"/>
+          </a:xfrm>
+          <a:prstGeom prst="rect">
+            <a:avLst/>
+          </a:prstGeom>
+        </p:spPr>
+      </p:pic>
+      <p:pic>
+        <p:nvPicPr>
+          <p:cNvPr id="8" name="Picture 7">
+            <a:extLst>
+              <a:ext uri="{FF2B5EF4-FFF2-40B4-BE49-F238E27FC236}">
+                <a16:creationId xmlns:a16="http://schemas.microsoft.com/office/drawing/2014/main" id="{8242C345-E8F1-44E9-ADCF-78A245F49099}"/>
+              </a:ext>
+            </a:extLst>
+          </p:cNvPr>
+          <p:cNvPicPr>
+            <a:picLocks noChangeAspect="1"/>
+          </p:cNvPicPr>
+          <p:nvPr/>
+        </p:nvPicPr>
+        <p:blipFill>
+          <a:blip r:embed="rId5"/>
+          <a:stretch>
+            <a:fillRect/>
+          </a:stretch>
+        </p:blipFill>
+        <p:spPr>
+          <a:xfrm>
+            <a:off x="7894586" y="2807784"/>
+            <a:ext cx="2986293" cy="2155694"/>
+          </a:xfrm>
+          <a:prstGeom prst="rect">
+            <a:avLst/>
+          </a:prstGeom>
+        </p:spPr>
+      </p:pic>
+      <p:pic>
+        <p:nvPicPr>
+          <p:cNvPr id="9" name="Picture 8">
+            <a:extLst>
+              <a:ext uri="{FF2B5EF4-FFF2-40B4-BE49-F238E27FC236}">
+                <a16:creationId xmlns:a16="http://schemas.microsoft.com/office/drawing/2014/main" id="{0EAAF632-B5F3-43B4-B90F-E833BF4D2427}"/>
+              </a:ext>
+            </a:extLst>
+          </p:cNvPr>
+          <p:cNvPicPr>
+            <a:picLocks noChangeAspect="1"/>
+          </p:cNvPicPr>
+          <p:nvPr/>
+        </p:nvPicPr>
+        <p:blipFill>
+          <a:blip r:embed="rId6"/>
+          <a:stretch>
+            <a:fillRect/>
+          </a:stretch>
+        </p:blipFill>
+        <p:spPr>
+          <a:xfrm>
+            <a:off x="4169579" y="4147128"/>
+            <a:ext cx="3231161" cy="2332455"/>
+          </a:xfrm>
+          <a:prstGeom prst="rect">
+            <a:avLst/>
+          </a:prstGeom>
+        </p:spPr>
+      </p:pic>
+    </p:spTree>
+    <p:extLst>
+      <p:ext uri="{BB962C8B-B14F-4D97-AF65-F5344CB8AC3E}">
+        <p14:creationId xmlns:p14="http://schemas.microsoft.com/office/powerpoint/2010/main" val="3543163336"/>
       </p:ext>
     </p:extLst>
   </p:cSld>

--- a/RampV03Presentation.pptx
+++ b/RampV03Presentation.pptx
@@ -25,6 +25,7 @@
     <p:sldId id="273" r:id="rId19"/>
     <p:sldId id="276" r:id="rId20"/>
     <p:sldId id="275" r:id="rId21"/>
+    <p:sldId id="277" r:id="rId22"/>
   </p:sldIdLst>
   <p:sldSz cx="12192000" cy="6858000"/>
   <p:notesSz cx="6858000" cy="9144000"/>
@@ -278,7 +279,7 @@
           <a:p>
             <a:fld id="{F1EB54BA-186C-4A9E-B622-D29CC351A41F}" type="datetimeFigureOut">
               <a:rPr lang="en-US" smtClean="0"/>
-              <a:t>10/11/2018</a:t>
+              <a:t>10/13/2018</a:t>
             </a:fld>
             <a:endParaRPr lang="en-US"/>
           </a:p>
@@ -476,7 +477,7 @@
           <a:p>
             <a:fld id="{F1EB54BA-186C-4A9E-B622-D29CC351A41F}" type="datetimeFigureOut">
               <a:rPr lang="en-US" smtClean="0"/>
-              <a:t>10/11/2018</a:t>
+              <a:t>10/13/2018</a:t>
             </a:fld>
             <a:endParaRPr lang="en-US"/>
           </a:p>
@@ -684,7 +685,7 @@
           <a:p>
             <a:fld id="{F1EB54BA-186C-4A9E-B622-D29CC351A41F}" type="datetimeFigureOut">
               <a:rPr lang="en-US" smtClean="0"/>
-              <a:t>10/11/2018</a:t>
+              <a:t>10/13/2018</a:t>
             </a:fld>
             <a:endParaRPr lang="en-US"/>
           </a:p>
@@ -882,7 +883,7 @@
           <a:p>
             <a:fld id="{F1EB54BA-186C-4A9E-B622-D29CC351A41F}" type="datetimeFigureOut">
               <a:rPr lang="en-US" smtClean="0"/>
-              <a:t>10/11/2018</a:t>
+              <a:t>10/13/2018</a:t>
             </a:fld>
             <a:endParaRPr lang="en-US"/>
           </a:p>
@@ -1157,7 +1158,7 @@
           <a:p>
             <a:fld id="{F1EB54BA-186C-4A9E-B622-D29CC351A41F}" type="datetimeFigureOut">
               <a:rPr lang="en-US" smtClean="0"/>
-              <a:t>10/11/2018</a:t>
+              <a:t>10/13/2018</a:t>
             </a:fld>
             <a:endParaRPr lang="en-US"/>
           </a:p>
@@ -1422,7 +1423,7 @@
           <a:p>
             <a:fld id="{F1EB54BA-186C-4A9E-B622-D29CC351A41F}" type="datetimeFigureOut">
               <a:rPr lang="en-US" smtClean="0"/>
-              <a:t>10/11/2018</a:t>
+              <a:t>10/13/2018</a:t>
             </a:fld>
             <a:endParaRPr lang="en-US"/>
           </a:p>
@@ -1834,7 +1835,7 @@
           <a:p>
             <a:fld id="{F1EB54BA-186C-4A9E-B622-D29CC351A41F}" type="datetimeFigureOut">
               <a:rPr lang="en-US" smtClean="0"/>
-              <a:t>10/11/2018</a:t>
+              <a:t>10/13/2018</a:t>
             </a:fld>
             <a:endParaRPr lang="en-US"/>
           </a:p>
@@ -1975,7 +1976,7 @@
           <a:p>
             <a:fld id="{F1EB54BA-186C-4A9E-B622-D29CC351A41F}" type="datetimeFigureOut">
               <a:rPr lang="en-US" smtClean="0"/>
-              <a:t>10/11/2018</a:t>
+              <a:t>10/13/2018</a:t>
             </a:fld>
             <a:endParaRPr lang="en-US"/>
           </a:p>
@@ -2088,7 +2089,7 @@
           <a:p>
             <a:fld id="{F1EB54BA-186C-4A9E-B622-D29CC351A41F}" type="datetimeFigureOut">
               <a:rPr lang="en-US" smtClean="0"/>
-              <a:t>10/11/2018</a:t>
+              <a:t>10/13/2018</a:t>
             </a:fld>
             <a:endParaRPr lang="en-US"/>
           </a:p>
@@ -2399,7 +2400,7 @@
           <a:p>
             <a:fld id="{F1EB54BA-186C-4A9E-B622-D29CC351A41F}" type="datetimeFigureOut">
               <a:rPr lang="en-US" smtClean="0"/>
-              <a:t>10/11/2018</a:t>
+              <a:t>10/13/2018</a:t>
             </a:fld>
             <a:endParaRPr lang="en-US"/>
           </a:p>
@@ -2687,7 +2688,7 @@
           <a:p>
             <a:fld id="{F1EB54BA-186C-4A9E-B622-D29CC351A41F}" type="datetimeFigureOut">
               <a:rPr lang="en-US" smtClean="0"/>
-              <a:t>10/11/2018</a:t>
+              <a:t>10/13/2018</a:t>
             </a:fld>
             <a:endParaRPr lang="en-US"/>
           </a:p>
@@ -2928,7 +2929,7 @@
           <a:p>
             <a:fld id="{F1EB54BA-186C-4A9E-B622-D29CC351A41F}" type="datetimeFigureOut">
               <a:rPr lang="en-US" smtClean="0"/>
-              <a:t>10/11/2018</a:t>
+              <a:t>10/13/2018</a:t>
             </a:fld>
             <a:endParaRPr lang="en-US"/>
           </a:p>
@@ -6513,6 +6514,457 @@
 </p:sld>
 </file>
 
+<file path=ppt/slides/slide21.xml><?xml version="1.0" encoding="utf-8"?>
+<p:sld xmlns:a="http://schemas.openxmlformats.org/drawingml/2006/main" xmlns:r="http://schemas.openxmlformats.org/officeDocument/2006/relationships" xmlns:p="http://schemas.openxmlformats.org/presentationml/2006/main">
+  <p:cSld>
+    <p:spTree>
+      <p:nvGrpSpPr>
+        <p:cNvPr id="1" name=""/>
+        <p:cNvGrpSpPr/>
+        <p:nvPr/>
+      </p:nvGrpSpPr>
+      <p:grpSpPr>
+        <a:xfrm>
+          <a:off x="0" y="0"/>
+          <a:ext cx="0" cy="0"/>
+          <a:chOff x="0" y="0"/>
+          <a:chExt cx="0" cy="0"/>
+        </a:xfrm>
+      </p:grpSpPr>
+      <p:sp>
+        <p:nvSpPr>
+          <p:cNvPr id="5" name="TextBox 4">
+            <a:extLst>
+              <a:ext uri="{FF2B5EF4-FFF2-40B4-BE49-F238E27FC236}">
+                <a16:creationId xmlns:a16="http://schemas.microsoft.com/office/drawing/2014/main" id="{B2AEFC80-A8E7-4716-838A-99F2DC092252}"/>
+              </a:ext>
+            </a:extLst>
+          </p:cNvPr>
+          <p:cNvSpPr txBox="1"/>
+          <p:nvPr/>
+        </p:nvSpPr>
+        <p:spPr>
+          <a:xfrm flipH="1">
+            <a:off x="3774380" y="1450943"/>
+            <a:ext cx="780432" cy="369332"/>
+          </a:xfrm>
+          <a:prstGeom prst="rect">
+            <a:avLst/>
+          </a:prstGeom>
+          <a:noFill/>
+        </p:spPr>
+        <p:txBody>
+          <a:bodyPr wrap="square" rtlCol="0">
+            <a:spAutoFit/>
+          </a:bodyPr>
+          <a:lstStyle/>
+          <a:p>
+            <a:r>
+              <a:rPr lang="en-US" dirty="0"/>
+              <a:t>Low</a:t>
+            </a:r>
+          </a:p>
+        </p:txBody>
+      </p:sp>
+      <p:sp>
+        <p:nvSpPr>
+          <p:cNvPr id="6" name="TextBox 5">
+            <a:extLst>
+              <a:ext uri="{FF2B5EF4-FFF2-40B4-BE49-F238E27FC236}">
+                <a16:creationId xmlns:a16="http://schemas.microsoft.com/office/drawing/2014/main" id="{D25E95B3-038A-49C0-A169-D2789174293C}"/>
+              </a:ext>
+            </a:extLst>
+          </p:cNvPr>
+          <p:cNvSpPr txBox="1"/>
+          <p:nvPr/>
+        </p:nvSpPr>
+        <p:spPr>
+          <a:xfrm flipH="1">
+            <a:off x="3774380" y="3344935"/>
+            <a:ext cx="780432" cy="369332"/>
+          </a:xfrm>
+          <a:prstGeom prst="rect">
+            <a:avLst/>
+          </a:prstGeom>
+          <a:noFill/>
+        </p:spPr>
+        <p:txBody>
+          <a:bodyPr wrap="square" rtlCol="0">
+            <a:spAutoFit/>
+          </a:bodyPr>
+          <a:lstStyle/>
+          <a:p>
+            <a:r>
+              <a:rPr lang="en-US" dirty="0"/>
+              <a:t>Mid</a:t>
+            </a:r>
+          </a:p>
+        </p:txBody>
+      </p:sp>
+      <p:sp>
+        <p:nvSpPr>
+          <p:cNvPr id="7" name="TextBox 6">
+            <a:extLst>
+              <a:ext uri="{FF2B5EF4-FFF2-40B4-BE49-F238E27FC236}">
+                <a16:creationId xmlns:a16="http://schemas.microsoft.com/office/drawing/2014/main" id="{FBD68DEE-CC29-4C5F-9CA3-2F68FBE781C8}"/>
+              </a:ext>
+            </a:extLst>
+          </p:cNvPr>
+          <p:cNvSpPr txBox="1"/>
+          <p:nvPr/>
+        </p:nvSpPr>
+        <p:spPr>
+          <a:xfrm flipH="1">
+            <a:off x="3837447" y="5238927"/>
+            <a:ext cx="780432" cy="369332"/>
+          </a:xfrm>
+          <a:prstGeom prst="rect">
+            <a:avLst/>
+          </a:prstGeom>
+          <a:noFill/>
+        </p:spPr>
+        <p:txBody>
+          <a:bodyPr wrap="square" rtlCol="0">
+            <a:spAutoFit/>
+          </a:bodyPr>
+          <a:lstStyle/>
+          <a:p>
+            <a:r>
+              <a:rPr lang="en-US" dirty="0"/>
+              <a:t>High</a:t>
+            </a:r>
+          </a:p>
+        </p:txBody>
+      </p:sp>
+      <p:sp>
+        <p:nvSpPr>
+          <p:cNvPr id="8" name="TextBox 7">
+            <a:extLst>
+              <a:ext uri="{FF2B5EF4-FFF2-40B4-BE49-F238E27FC236}">
+                <a16:creationId xmlns:a16="http://schemas.microsoft.com/office/drawing/2014/main" id="{131F4AE3-D74F-4DB2-92C2-3995FD792572}"/>
+              </a:ext>
+            </a:extLst>
+          </p:cNvPr>
+          <p:cNvSpPr txBox="1"/>
+          <p:nvPr/>
+        </p:nvSpPr>
+        <p:spPr>
+          <a:xfrm flipH="1">
+            <a:off x="5771465" y="-13444"/>
+            <a:ext cx="780432" cy="369332"/>
+          </a:xfrm>
+          <a:prstGeom prst="rect">
+            <a:avLst/>
+          </a:prstGeom>
+          <a:noFill/>
+        </p:spPr>
+        <p:txBody>
+          <a:bodyPr wrap="square" rtlCol="0">
+            <a:spAutoFit/>
+          </a:bodyPr>
+          <a:lstStyle/>
+          <a:p>
+            <a:r>
+              <a:rPr lang="en-US" dirty="0"/>
+              <a:t>Mag</a:t>
+            </a:r>
+          </a:p>
+        </p:txBody>
+      </p:sp>
+      <p:sp>
+        <p:nvSpPr>
+          <p:cNvPr id="9" name="TextBox 8">
+            <a:extLst>
+              <a:ext uri="{FF2B5EF4-FFF2-40B4-BE49-F238E27FC236}">
+                <a16:creationId xmlns:a16="http://schemas.microsoft.com/office/drawing/2014/main" id="{6440C8A3-D846-4F76-91C1-392A37029662}"/>
+              </a:ext>
+            </a:extLst>
+          </p:cNvPr>
+          <p:cNvSpPr txBox="1"/>
+          <p:nvPr/>
+        </p:nvSpPr>
+        <p:spPr>
+          <a:xfrm flipH="1">
+            <a:off x="9122380" y="-13444"/>
+            <a:ext cx="780432" cy="369332"/>
+          </a:xfrm>
+          <a:prstGeom prst="rect">
+            <a:avLst/>
+          </a:prstGeom>
+          <a:noFill/>
+        </p:spPr>
+        <p:txBody>
+          <a:bodyPr wrap="square" rtlCol="0">
+            <a:spAutoFit/>
+          </a:bodyPr>
+          <a:lstStyle/>
+          <a:p>
+            <a:r>
+              <a:rPr lang="en-US" dirty="0"/>
+              <a:t>Value</a:t>
+            </a:r>
+          </a:p>
+        </p:txBody>
+      </p:sp>
+      <p:sp>
+        <p:nvSpPr>
+          <p:cNvPr id="11" name="TextBox 10">
+            <a:extLst>
+              <a:ext uri="{FF2B5EF4-FFF2-40B4-BE49-F238E27FC236}">
+                <a16:creationId xmlns:a16="http://schemas.microsoft.com/office/drawing/2014/main" id="{E9DD2401-8DF1-4267-AAB9-43229D05FC1B}"/>
+              </a:ext>
+            </a:extLst>
+          </p:cNvPr>
+          <p:cNvSpPr txBox="1"/>
+          <p:nvPr/>
+        </p:nvSpPr>
+        <p:spPr>
+          <a:xfrm>
+            <a:off x="1489950" y="3714267"/>
+            <a:ext cx="1088824" cy="369332"/>
+          </a:xfrm>
+          <a:prstGeom prst="rect">
+            <a:avLst/>
+          </a:prstGeom>
+          <a:noFill/>
+        </p:spPr>
+        <p:txBody>
+          <a:bodyPr wrap="none" rtlCol="0">
+            <a:spAutoFit/>
+          </a:bodyPr>
+          <a:lstStyle/>
+          <a:p>
+            <a:r>
+              <a:rPr lang="en-US" dirty="0" err="1"/>
+              <a:t>EveryTrial</a:t>
+            </a:r>
+            <a:endParaRPr lang="en-US" dirty="0"/>
+          </a:p>
+        </p:txBody>
+      </p:sp>
+      <p:pic>
+        <p:nvPicPr>
+          <p:cNvPr id="18" name="Picture 17">
+            <a:extLst>
+              <a:ext uri="{FF2B5EF4-FFF2-40B4-BE49-F238E27FC236}">
+                <a16:creationId xmlns:a16="http://schemas.microsoft.com/office/drawing/2014/main" id="{F716B065-EAE6-47C3-9ED7-757245206B52}"/>
+              </a:ext>
+            </a:extLst>
+          </p:cNvPr>
+          <p:cNvPicPr>
+            <a:picLocks noChangeAspect="1"/>
+          </p:cNvPicPr>
+          <p:nvPr/>
+        </p:nvPicPr>
+        <p:blipFill>
+          <a:blip r:embed="rId2"/>
+          <a:stretch>
+            <a:fillRect/>
+          </a:stretch>
+        </p:blipFill>
+        <p:spPr>
+          <a:xfrm>
+            <a:off x="145103" y="4095021"/>
+            <a:ext cx="3680953" cy="2657143"/>
+          </a:xfrm>
+          <a:prstGeom prst="rect">
+            <a:avLst/>
+          </a:prstGeom>
+        </p:spPr>
+      </p:pic>
+      <p:pic>
+        <p:nvPicPr>
+          <p:cNvPr id="19" name="Picture 18">
+            <a:extLst>
+              <a:ext uri="{FF2B5EF4-FFF2-40B4-BE49-F238E27FC236}">
+                <a16:creationId xmlns:a16="http://schemas.microsoft.com/office/drawing/2014/main" id="{C85DB884-D650-4732-A5BF-59F157442C0E}"/>
+              </a:ext>
+            </a:extLst>
+          </p:cNvPr>
+          <p:cNvPicPr>
+            <a:picLocks noChangeAspect="1"/>
+          </p:cNvPicPr>
+          <p:nvPr/>
+        </p:nvPicPr>
+        <p:blipFill>
+          <a:blip r:embed="rId3"/>
+          <a:stretch>
+            <a:fillRect/>
+          </a:stretch>
+        </p:blipFill>
+        <p:spPr>
+          <a:xfrm>
+            <a:off x="4500030" y="319219"/>
+            <a:ext cx="3191939" cy="2304142"/>
+          </a:xfrm>
+          <a:prstGeom prst="rect">
+            <a:avLst/>
+          </a:prstGeom>
+        </p:spPr>
+      </p:pic>
+      <p:pic>
+        <p:nvPicPr>
+          <p:cNvPr id="20" name="Picture 19">
+            <a:extLst>
+              <a:ext uri="{FF2B5EF4-FFF2-40B4-BE49-F238E27FC236}">
+                <a16:creationId xmlns:a16="http://schemas.microsoft.com/office/drawing/2014/main" id="{BC1430AA-875B-4249-96AE-5636B95366FA}"/>
+              </a:ext>
+            </a:extLst>
+          </p:cNvPr>
+          <p:cNvPicPr>
+            <a:picLocks noChangeAspect="1"/>
+          </p:cNvPicPr>
+          <p:nvPr/>
+        </p:nvPicPr>
+        <p:blipFill>
+          <a:blip r:embed="rId4"/>
+          <a:stretch>
+            <a:fillRect/>
+          </a:stretch>
+        </p:blipFill>
+        <p:spPr>
+          <a:xfrm>
+            <a:off x="4632056" y="2623361"/>
+            <a:ext cx="2943762" cy="2124993"/>
+          </a:xfrm>
+          <a:prstGeom prst="rect">
+            <a:avLst/>
+          </a:prstGeom>
+        </p:spPr>
+      </p:pic>
+      <p:pic>
+        <p:nvPicPr>
+          <p:cNvPr id="23" name="Picture 22">
+            <a:extLst>
+              <a:ext uri="{FF2B5EF4-FFF2-40B4-BE49-F238E27FC236}">
+                <a16:creationId xmlns:a16="http://schemas.microsoft.com/office/drawing/2014/main" id="{3A3834FA-D6A9-4E46-94DF-9630738EACD9}"/>
+              </a:ext>
+            </a:extLst>
+          </p:cNvPr>
+          <p:cNvPicPr>
+            <a:picLocks noChangeAspect="1"/>
+          </p:cNvPicPr>
+          <p:nvPr/>
+        </p:nvPicPr>
+        <p:blipFill>
+          <a:blip r:embed="rId5"/>
+          <a:stretch>
+            <a:fillRect/>
+          </a:stretch>
+        </p:blipFill>
+        <p:spPr>
+          <a:xfrm>
+            <a:off x="4695123" y="4748354"/>
+            <a:ext cx="2829542" cy="2042541"/>
+          </a:xfrm>
+          <a:prstGeom prst="rect">
+            <a:avLst/>
+          </a:prstGeom>
+        </p:spPr>
+      </p:pic>
+      <p:pic>
+        <p:nvPicPr>
+          <p:cNvPr id="25" name="Picture 24">
+            <a:extLst>
+              <a:ext uri="{FF2B5EF4-FFF2-40B4-BE49-F238E27FC236}">
+                <a16:creationId xmlns:a16="http://schemas.microsoft.com/office/drawing/2014/main" id="{9C198736-EA3A-48BD-A209-1A219C94F743}"/>
+              </a:ext>
+            </a:extLst>
+          </p:cNvPr>
+          <p:cNvPicPr>
+            <a:picLocks noChangeAspect="1"/>
+          </p:cNvPicPr>
+          <p:nvPr/>
+        </p:nvPicPr>
+        <p:blipFill>
+          <a:blip r:embed="rId6"/>
+          <a:stretch>
+            <a:fillRect/>
+          </a:stretch>
+        </p:blipFill>
+        <p:spPr>
+          <a:xfrm>
+            <a:off x="7918069" y="342592"/>
+            <a:ext cx="3033466" cy="2189746"/>
+          </a:xfrm>
+          <a:prstGeom prst="rect">
+            <a:avLst/>
+          </a:prstGeom>
+        </p:spPr>
+      </p:pic>
+      <p:pic>
+        <p:nvPicPr>
+          <p:cNvPr id="26" name="Picture 25">
+            <a:extLst>
+              <a:ext uri="{FF2B5EF4-FFF2-40B4-BE49-F238E27FC236}">
+                <a16:creationId xmlns:a16="http://schemas.microsoft.com/office/drawing/2014/main" id="{09F81DE1-9C55-49F0-A62A-3490D478B548}"/>
+              </a:ext>
+            </a:extLst>
+          </p:cNvPr>
+          <p:cNvPicPr>
+            <a:picLocks noChangeAspect="1"/>
+          </p:cNvPicPr>
+          <p:nvPr/>
+        </p:nvPicPr>
+        <p:blipFill>
+          <a:blip r:embed="rId7"/>
+          <a:stretch>
+            <a:fillRect/>
+          </a:stretch>
+        </p:blipFill>
+        <p:spPr>
+          <a:xfrm>
+            <a:off x="8005315" y="2623360"/>
+            <a:ext cx="2943762" cy="2124993"/>
+          </a:xfrm>
+          <a:prstGeom prst="rect">
+            <a:avLst/>
+          </a:prstGeom>
+        </p:spPr>
+      </p:pic>
+      <p:pic>
+        <p:nvPicPr>
+          <p:cNvPr id="27" name="Picture 26">
+            <a:extLst>
+              <a:ext uri="{FF2B5EF4-FFF2-40B4-BE49-F238E27FC236}">
+                <a16:creationId xmlns:a16="http://schemas.microsoft.com/office/drawing/2014/main" id="{E314216B-CC80-4067-ADED-CFDBFAD932DF}"/>
+              </a:ext>
+            </a:extLst>
+          </p:cNvPr>
+          <p:cNvPicPr>
+            <a:picLocks noChangeAspect="1"/>
+          </p:cNvPicPr>
+          <p:nvPr/>
+        </p:nvPicPr>
+        <p:blipFill>
+          <a:blip r:embed="rId8"/>
+          <a:stretch>
+            <a:fillRect/>
+          </a:stretch>
+        </p:blipFill>
+        <p:spPr>
+          <a:xfrm>
+            <a:off x="8040715" y="4692068"/>
+            <a:ext cx="2943762" cy="2124993"/>
+          </a:xfrm>
+          <a:prstGeom prst="rect">
+            <a:avLst/>
+          </a:prstGeom>
+        </p:spPr>
+      </p:pic>
+    </p:spTree>
+    <p:extLst>
+      <p:ext uri="{BB962C8B-B14F-4D97-AF65-F5344CB8AC3E}">
+        <p14:creationId xmlns:p14="http://schemas.microsoft.com/office/powerpoint/2010/main" val="2316988597"/>
+      </p:ext>
+    </p:extLst>
+  </p:cSld>
+  <p:clrMapOvr>
+    <a:masterClrMapping/>
+  </p:clrMapOvr>
+</p:sld>
+</file>
+
 <file path=ppt/slides/slide3.xml><?xml version="1.0" encoding="utf-8"?>
 <p:sld xmlns:a="http://schemas.openxmlformats.org/drawingml/2006/main" xmlns:r="http://schemas.openxmlformats.org/officeDocument/2006/relationships" xmlns:p="http://schemas.openxmlformats.org/presentationml/2006/main">
   <p:cSld>

--- a/RampV03Presentation.pptx
+++ b/RampV03Presentation.pptx
@@ -26,6 +26,8 @@
     <p:sldId id="276" r:id="rId20"/>
     <p:sldId id="275" r:id="rId21"/>
     <p:sldId id="277" r:id="rId22"/>
+    <p:sldId id="278" r:id="rId23"/>
+    <p:sldId id="279" r:id="rId24"/>
   </p:sldIdLst>
   <p:sldSz cx="12192000" cy="6858000"/>
   <p:notesSz cx="6858000" cy="9144000"/>
@@ -279,7 +281,7 @@
           <a:p>
             <a:fld id="{F1EB54BA-186C-4A9E-B622-D29CC351A41F}" type="datetimeFigureOut">
               <a:rPr lang="en-US" smtClean="0"/>
-              <a:t>10/13/2018</a:t>
+              <a:t>10/14/2018</a:t>
             </a:fld>
             <a:endParaRPr lang="en-US"/>
           </a:p>
@@ -477,7 +479,7 @@
           <a:p>
             <a:fld id="{F1EB54BA-186C-4A9E-B622-D29CC351A41F}" type="datetimeFigureOut">
               <a:rPr lang="en-US" smtClean="0"/>
-              <a:t>10/13/2018</a:t>
+              <a:t>10/14/2018</a:t>
             </a:fld>
             <a:endParaRPr lang="en-US"/>
           </a:p>
@@ -685,7 +687,7 @@
           <a:p>
             <a:fld id="{F1EB54BA-186C-4A9E-B622-D29CC351A41F}" type="datetimeFigureOut">
               <a:rPr lang="en-US" smtClean="0"/>
-              <a:t>10/13/2018</a:t>
+              <a:t>10/14/2018</a:t>
             </a:fld>
             <a:endParaRPr lang="en-US"/>
           </a:p>
@@ -883,7 +885,7 @@
           <a:p>
             <a:fld id="{F1EB54BA-186C-4A9E-B622-D29CC351A41F}" type="datetimeFigureOut">
               <a:rPr lang="en-US" smtClean="0"/>
-              <a:t>10/13/2018</a:t>
+              <a:t>10/14/2018</a:t>
             </a:fld>
             <a:endParaRPr lang="en-US"/>
           </a:p>
@@ -1158,7 +1160,7 @@
           <a:p>
             <a:fld id="{F1EB54BA-186C-4A9E-B622-D29CC351A41F}" type="datetimeFigureOut">
               <a:rPr lang="en-US" smtClean="0"/>
-              <a:t>10/13/2018</a:t>
+              <a:t>10/14/2018</a:t>
             </a:fld>
             <a:endParaRPr lang="en-US"/>
           </a:p>
@@ -1423,7 +1425,7 @@
           <a:p>
             <a:fld id="{F1EB54BA-186C-4A9E-B622-D29CC351A41F}" type="datetimeFigureOut">
               <a:rPr lang="en-US" smtClean="0"/>
-              <a:t>10/13/2018</a:t>
+              <a:t>10/14/2018</a:t>
             </a:fld>
             <a:endParaRPr lang="en-US"/>
           </a:p>
@@ -1835,7 +1837,7 @@
           <a:p>
             <a:fld id="{F1EB54BA-186C-4A9E-B622-D29CC351A41F}" type="datetimeFigureOut">
               <a:rPr lang="en-US" smtClean="0"/>
-              <a:t>10/13/2018</a:t>
+              <a:t>10/14/2018</a:t>
             </a:fld>
             <a:endParaRPr lang="en-US"/>
           </a:p>
@@ -1976,7 +1978,7 @@
           <a:p>
             <a:fld id="{F1EB54BA-186C-4A9E-B622-D29CC351A41F}" type="datetimeFigureOut">
               <a:rPr lang="en-US" smtClean="0"/>
-              <a:t>10/13/2018</a:t>
+              <a:t>10/14/2018</a:t>
             </a:fld>
             <a:endParaRPr lang="en-US"/>
           </a:p>
@@ -2089,7 +2091,7 @@
           <a:p>
             <a:fld id="{F1EB54BA-186C-4A9E-B622-D29CC351A41F}" type="datetimeFigureOut">
               <a:rPr lang="en-US" smtClean="0"/>
-              <a:t>10/13/2018</a:t>
+              <a:t>10/14/2018</a:t>
             </a:fld>
             <a:endParaRPr lang="en-US"/>
           </a:p>
@@ -2400,7 +2402,7 @@
           <a:p>
             <a:fld id="{F1EB54BA-186C-4A9E-B622-D29CC351A41F}" type="datetimeFigureOut">
               <a:rPr lang="en-US" smtClean="0"/>
-              <a:t>10/13/2018</a:t>
+              <a:t>10/14/2018</a:t>
             </a:fld>
             <a:endParaRPr lang="en-US"/>
           </a:p>
@@ -2688,7 +2690,7 @@
           <a:p>
             <a:fld id="{F1EB54BA-186C-4A9E-B622-D29CC351A41F}" type="datetimeFigureOut">
               <a:rPr lang="en-US" smtClean="0"/>
-              <a:t>10/13/2018</a:t>
+              <a:t>10/14/2018</a:t>
             </a:fld>
             <a:endParaRPr lang="en-US"/>
           </a:p>
@@ -2929,7 +2931,7 @@
           <a:p>
             <a:fld id="{F1EB54BA-186C-4A9E-B622-D29CC351A41F}" type="datetimeFigureOut">
               <a:rPr lang="en-US" smtClean="0"/>
-              <a:t>10/13/2018</a:t>
+              <a:t>10/14/2018</a:t>
             </a:fld>
             <a:endParaRPr lang="en-US"/>
           </a:p>
@@ -5526,505 +5528,588 @@
           <a:chExt cx="0" cy="0"/>
         </a:xfrm>
       </p:grpSpPr>
-      <p:pic>
-        <p:nvPicPr>
-          <p:cNvPr id="5" name="Picture 4">
-            <a:extLst>
-              <a:ext uri="{FF2B5EF4-FFF2-40B4-BE49-F238E27FC236}">
-                <a16:creationId xmlns:a16="http://schemas.microsoft.com/office/drawing/2014/main" id="{97DEAB87-48D8-48FC-BC2B-9857105D04A7}"/>
-              </a:ext>
-            </a:extLst>
-          </p:cNvPr>
-          <p:cNvPicPr>
-            <a:picLocks noChangeAspect="1"/>
-          </p:cNvPicPr>
-          <p:nvPr/>
-        </p:nvPicPr>
-        <p:blipFill>
-          <a:blip r:embed="rId2"/>
-          <a:stretch>
-            <a:fillRect/>
-          </a:stretch>
-        </p:blipFill>
-        <p:spPr>
-          <a:xfrm>
-            <a:off x="5334423" y="4498019"/>
-            <a:ext cx="1280686" cy="798001"/>
-          </a:xfrm>
-          <a:prstGeom prst="rect">
-            <a:avLst/>
-          </a:prstGeom>
-        </p:spPr>
-      </p:pic>
-      <p:pic>
-        <p:nvPicPr>
-          <p:cNvPr id="6" name="Picture 5">
-            <a:extLst>
-              <a:ext uri="{FF2B5EF4-FFF2-40B4-BE49-F238E27FC236}">
-                <a16:creationId xmlns:a16="http://schemas.microsoft.com/office/drawing/2014/main" id="{AA840E72-F83F-4351-AF50-669259CA4E98}"/>
-              </a:ext>
-            </a:extLst>
-          </p:cNvPr>
-          <p:cNvPicPr>
-            <a:picLocks noChangeAspect="1"/>
-          </p:cNvPicPr>
-          <p:nvPr/>
-        </p:nvPicPr>
-        <p:blipFill>
-          <a:blip r:embed="rId3"/>
-          <a:stretch>
-            <a:fillRect/>
-          </a:stretch>
-        </p:blipFill>
-        <p:spPr>
-          <a:xfrm>
-            <a:off x="4968898" y="152549"/>
+      <p:grpSp>
+        <p:nvGrpSpPr>
+          <p:cNvPr id="10" name="Group 9">
+            <a:extLst>
+              <a:ext uri="{FF2B5EF4-FFF2-40B4-BE49-F238E27FC236}">
+                <a16:creationId xmlns:a16="http://schemas.microsoft.com/office/drawing/2014/main" id="{04695B03-F7EF-405B-B7C2-C039EBF9AFAC}"/>
+              </a:ext>
+            </a:extLst>
+          </p:cNvPr>
+          <p:cNvGrpSpPr/>
+          <p:nvPr/>
+        </p:nvGrpSpPr>
+        <p:grpSpPr>
+          <a:xfrm>
+            <a:off x="7306752" y="2461051"/>
+            <a:ext cx="1501629" cy="968179"/>
+            <a:chOff x="5193079" y="4397282"/>
+            <a:chExt cx="1501629" cy="968179"/>
+          </a:xfrm>
+        </p:grpSpPr>
+        <p:pic>
+          <p:nvPicPr>
+            <p:cNvPr id="5" name="Picture 4">
+              <a:extLst>
+                <a:ext uri="{FF2B5EF4-FFF2-40B4-BE49-F238E27FC236}">
+                  <a16:creationId xmlns:a16="http://schemas.microsoft.com/office/drawing/2014/main" id="{97DEAB87-48D8-48FC-BC2B-9857105D04A7}"/>
+                </a:ext>
+              </a:extLst>
+            </p:cNvPr>
+            <p:cNvPicPr>
+              <a:picLocks noChangeAspect="1"/>
+            </p:cNvPicPr>
+            <p:nvPr/>
+          </p:nvPicPr>
+          <p:blipFill>
+            <a:blip r:embed="rId2"/>
+            <a:stretch>
+              <a:fillRect/>
+            </a:stretch>
+          </p:blipFill>
+          <p:spPr>
+            <a:xfrm>
+              <a:off x="5334423" y="4498019"/>
+              <a:ext cx="1280686" cy="798001"/>
+            </a:xfrm>
+            <a:prstGeom prst="rect">
+              <a:avLst/>
+            </a:prstGeom>
+          </p:spPr>
+        </p:pic>
+        <p:sp>
+          <p:nvSpPr>
+            <p:cNvPr id="12" name="Rectangle 11">
+              <a:extLst>
+                <a:ext uri="{FF2B5EF4-FFF2-40B4-BE49-F238E27FC236}">
+                  <a16:creationId xmlns:a16="http://schemas.microsoft.com/office/drawing/2014/main" id="{8EE8CC48-8183-404E-8A7E-A2D8F9622BC1}"/>
+                </a:ext>
+              </a:extLst>
+            </p:cNvPr>
+            <p:cNvSpPr/>
+            <p:nvPr/>
+          </p:nvSpPr>
+          <p:spPr>
+            <a:xfrm>
+              <a:off x="5193079" y="4397282"/>
+              <a:ext cx="1501629" cy="968179"/>
+            </a:xfrm>
+            <a:prstGeom prst="rect">
+              <a:avLst/>
+            </a:prstGeom>
+            <a:noFill/>
+          </p:spPr>
+          <p:style>
+            <a:lnRef idx="2">
+              <a:schemeClr val="dk1"/>
+            </a:lnRef>
+            <a:fillRef idx="1">
+              <a:schemeClr val="lt1"/>
+            </a:fillRef>
+            <a:effectRef idx="0">
+              <a:schemeClr val="dk1"/>
+            </a:effectRef>
+            <a:fontRef idx="minor">
+              <a:schemeClr val="dk1"/>
+            </a:fontRef>
+          </p:style>
+          <p:txBody>
+            <a:bodyPr rtlCol="0" anchor="ctr"/>
+            <a:lstStyle/>
+            <a:p>
+              <a:pPr algn="ctr"/>
+              <a:endParaRPr lang="en-US"/>
+            </a:p>
+          </p:txBody>
+        </p:sp>
+      </p:grpSp>
+      <p:grpSp>
+        <p:nvGrpSpPr>
+          <p:cNvPr id="18" name="Group 17">
+            <a:extLst>
+              <a:ext uri="{FF2B5EF4-FFF2-40B4-BE49-F238E27FC236}">
+                <a16:creationId xmlns:a16="http://schemas.microsoft.com/office/drawing/2014/main" id="{3B5E2BFA-58A7-4AB4-8451-639B1858F758}"/>
+              </a:ext>
+            </a:extLst>
+          </p:cNvPr>
+          <p:cNvGrpSpPr/>
+          <p:nvPr/>
+        </p:nvGrpSpPr>
+        <p:grpSpPr>
+          <a:xfrm>
+            <a:off x="10156161" y="1759055"/>
+            <a:ext cx="1684588" cy="1112522"/>
+            <a:chOff x="3284310" y="5592929"/>
+            <a:chExt cx="1684588" cy="1112522"/>
+          </a:xfrm>
+        </p:grpSpPr>
+        <p:pic>
+          <p:nvPicPr>
+            <p:cNvPr id="11" name="Picture 10">
+              <a:extLst>
+                <a:ext uri="{FF2B5EF4-FFF2-40B4-BE49-F238E27FC236}">
+                  <a16:creationId xmlns:a16="http://schemas.microsoft.com/office/drawing/2014/main" id="{0955F384-5AB7-478B-8DB0-14572A91BD2D}"/>
+                </a:ext>
+              </a:extLst>
+            </p:cNvPr>
+            <p:cNvPicPr>
+              <a:picLocks noChangeAspect="1"/>
+            </p:cNvPicPr>
+            <p:nvPr/>
+          </p:nvPicPr>
+          <p:blipFill>
+            <a:blip r:embed="rId3"/>
+            <a:stretch>
+              <a:fillRect/>
+            </a:stretch>
+          </p:blipFill>
+          <p:spPr>
+            <a:xfrm>
+              <a:off x="3355580" y="5677239"/>
+              <a:ext cx="1613318" cy="1028212"/>
+            </a:xfrm>
+            <a:prstGeom prst="rect">
+              <a:avLst/>
+            </a:prstGeom>
+          </p:spPr>
+        </p:pic>
+        <p:sp>
+          <p:nvSpPr>
+            <p:cNvPr id="13" name="Rectangle 12">
+              <a:extLst>
+                <a:ext uri="{FF2B5EF4-FFF2-40B4-BE49-F238E27FC236}">
+                  <a16:creationId xmlns:a16="http://schemas.microsoft.com/office/drawing/2014/main" id="{91D6BFE9-4D61-465C-ACB3-7CFFC36A6273}"/>
+                </a:ext>
+              </a:extLst>
+            </p:cNvPr>
+            <p:cNvSpPr/>
+            <p:nvPr/>
+          </p:nvSpPr>
+          <p:spPr>
+            <a:xfrm>
+              <a:off x="3284310" y="5592929"/>
+              <a:ext cx="1501629" cy="968179"/>
+            </a:xfrm>
+            <a:prstGeom prst="rect">
+              <a:avLst/>
+            </a:prstGeom>
+            <a:noFill/>
+          </p:spPr>
+          <p:style>
+            <a:lnRef idx="2">
+              <a:schemeClr val="dk1"/>
+            </a:lnRef>
+            <a:fillRef idx="1">
+              <a:schemeClr val="lt1"/>
+            </a:fillRef>
+            <a:effectRef idx="0">
+              <a:schemeClr val="dk1"/>
+            </a:effectRef>
+            <a:fontRef idx="minor">
+              <a:schemeClr val="dk1"/>
+            </a:fontRef>
+          </p:style>
+          <p:txBody>
+            <a:bodyPr rtlCol="0" anchor="ctr"/>
+            <a:lstStyle/>
+            <a:p>
+              <a:pPr algn="ctr"/>
+              <a:endParaRPr lang="en-US"/>
+            </a:p>
+          </p:txBody>
+        </p:sp>
+      </p:grpSp>
+      <p:grpSp>
+        <p:nvGrpSpPr>
+          <p:cNvPr id="22" name="Group 21">
+            <a:extLst>
+              <a:ext uri="{FF2B5EF4-FFF2-40B4-BE49-F238E27FC236}">
+                <a16:creationId xmlns:a16="http://schemas.microsoft.com/office/drawing/2014/main" id="{94E9A7F0-CEBE-48C0-94DE-C9CC20081A64}"/>
+              </a:ext>
+            </a:extLst>
+          </p:cNvPr>
+          <p:cNvGrpSpPr/>
+          <p:nvPr/>
+        </p:nvGrpSpPr>
+        <p:grpSpPr>
+          <a:xfrm>
+            <a:off x="9942374" y="3238894"/>
+            <a:ext cx="1951362" cy="1418391"/>
+            <a:chOff x="6844536" y="5592929"/>
+            <a:chExt cx="1951362" cy="1418391"/>
+          </a:xfrm>
+        </p:grpSpPr>
+        <p:pic>
+          <p:nvPicPr>
+            <p:cNvPr id="9" name="Picture 8">
+              <a:extLst>
+                <a:ext uri="{FF2B5EF4-FFF2-40B4-BE49-F238E27FC236}">
+                  <a16:creationId xmlns:a16="http://schemas.microsoft.com/office/drawing/2014/main" id="{8AFAB779-7A04-49C2-A8B5-DA09DF394475}"/>
+                </a:ext>
+              </a:extLst>
+            </p:cNvPr>
+            <p:cNvPicPr>
+              <a:picLocks noChangeAspect="1"/>
+            </p:cNvPicPr>
+            <p:nvPr/>
+          </p:nvPicPr>
+          <p:blipFill>
+            <a:blip r:embed="rId4"/>
+            <a:stretch>
+              <a:fillRect/>
+            </a:stretch>
+          </p:blipFill>
+          <p:spPr>
+            <a:xfrm>
+              <a:off x="6844536" y="5592929"/>
+              <a:ext cx="1951362" cy="1418391"/>
+            </a:xfrm>
+            <a:prstGeom prst="rect">
+              <a:avLst/>
+            </a:prstGeom>
+          </p:spPr>
+        </p:pic>
+        <p:sp>
+          <p:nvSpPr>
+            <p:cNvPr id="14" name="Rectangle 13">
+              <a:extLst>
+                <a:ext uri="{FF2B5EF4-FFF2-40B4-BE49-F238E27FC236}">
+                  <a16:creationId xmlns:a16="http://schemas.microsoft.com/office/drawing/2014/main" id="{1009163D-A13F-4B3F-90F5-A97250BF0898}"/>
+                </a:ext>
+              </a:extLst>
+            </p:cNvPr>
+            <p:cNvSpPr/>
+            <p:nvPr/>
+          </p:nvSpPr>
+          <p:spPr>
+            <a:xfrm>
+              <a:off x="7069403" y="5604993"/>
+              <a:ext cx="1501629" cy="968179"/>
+            </a:xfrm>
+            <a:prstGeom prst="rect">
+              <a:avLst/>
+            </a:prstGeom>
+            <a:noFill/>
+          </p:spPr>
+          <p:style>
+            <a:lnRef idx="2">
+              <a:schemeClr val="dk1"/>
+            </a:lnRef>
+            <a:fillRef idx="1">
+              <a:schemeClr val="lt1"/>
+            </a:fillRef>
+            <a:effectRef idx="0">
+              <a:schemeClr val="dk1"/>
+            </a:effectRef>
+            <a:fontRef idx="minor">
+              <a:schemeClr val="dk1"/>
+            </a:fontRef>
+          </p:style>
+          <p:txBody>
+            <a:bodyPr rtlCol="0" anchor="ctr"/>
+            <a:lstStyle/>
+            <a:p>
+              <a:pPr algn="ctr"/>
+              <a:endParaRPr lang="en-US"/>
+            </a:p>
+          </p:txBody>
+        </p:sp>
+      </p:grpSp>
+      <p:grpSp>
+        <p:nvGrpSpPr>
+          <p:cNvPr id="4" name="Group 3">
+            <a:extLst>
+              <a:ext uri="{FF2B5EF4-FFF2-40B4-BE49-F238E27FC236}">
+                <a16:creationId xmlns:a16="http://schemas.microsoft.com/office/drawing/2014/main" id="{157B25DC-1BFD-4BAC-A607-1AABCB1B54A1}"/>
+              </a:ext>
+            </a:extLst>
+          </p:cNvPr>
+          <p:cNvGrpSpPr/>
+          <p:nvPr/>
+        </p:nvGrpSpPr>
+        <p:grpSpPr>
+          <a:xfrm>
+            <a:off x="5114199" y="2493767"/>
+            <a:ext cx="1501629" cy="1054398"/>
+            <a:chOff x="819618" y="3498113"/>
+            <a:chExt cx="1501629" cy="1054398"/>
+          </a:xfrm>
+        </p:grpSpPr>
+        <p:pic>
+          <p:nvPicPr>
+            <p:cNvPr id="8" name="Picture 7">
+              <a:extLst>
+                <a:ext uri="{FF2B5EF4-FFF2-40B4-BE49-F238E27FC236}">
+                  <a16:creationId xmlns:a16="http://schemas.microsoft.com/office/drawing/2014/main" id="{4714E367-224B-4A53-9420-FA6D3677D1F5}"/>
+                </a:ext>
+              </a:extLst>
+            </p:cNvPr>
+            <p:cNvPicPr>
+              <a:picLocks noChangeAspect="1"/>
+            </p:cNvPicPr>
+            <p:nvPr/>
+          </p:nvPicPr>
+          <p:blipFill>
+            <a:blip r:embed="rId5"/>
+            <a:stretch>
+              <a:fillRect/>
+            </a:stretch>
+          </p:blipFill>
+          <p:spPr>
+            <a:xfrm>
+              <a:off x="904810" y="3584332"/>
+              <a:ext cx="1331246" cy="968179"/>
+            </a:xfrm>
+            <a:prstGeom prst="rect">
+              <a:avLst/>
+            </a:prstGeom>
+          </p:spPr>
+        </p:pic>
+        <p:sp>
+          <p:nvSpPr>
+            <p:cNvPr id="15" name="Rectangle 14">
+              <a:extLst>
+                <a:ext uri="{FF2B5EF4-FFF2-40B4-BE49-F238E27FC236}">
+                  <a16:creationId xmlns:a16="http://schemas.microsoft.com/office/drawing/2014/main" id="{2A21F933-56CC-4D2D-8FE8-124DFD62AFF4}"/>
+                </a:ext>
+              </a:extLst>
+            </p:cNvPr>
+            <p:cNvSpPr/>
+            <p:nvPr/>
+          </p:nvSpPr>
+          <p:spPr>
+            <a:xfrm>
+              <a:off x="819618" y="3498113"/>
+              <a:ext cx="1501629" cy="968179"/>
+            </a:xfrm>
+            <a:prstGeom prst="rect">
+              <a:avLst/>
+            </a:prstGeom>
+            <a:noFill/>
+          </p:spPr>
+          <p:style>
+            <a:lnRef idx="2">
+              <a:schemeClr val="dk1"/>
+            </a:lnRef>
+            <a:fillRef idx="1">
+              <a:schemeClr val="lt1"/>
+            </a:fillRef>
+            <a:effectRef idx="0">
+              <a:schemeClr val="dk1"/>
+            </a:effectRef>
+            <a:fontRef idx="minor">
+              <a:schemeClr val="dk1"/>
+            </a:fontRef>
+          </p:style>
+          <p:txBody>
+            <a:bodyPr rtlCol="0" anchor="ctr"/>
+            <a:lstStyle/>
+            <a:p>
+              <a:pPr algn="ctr"/>
+              <a:endParaRPr lang="en-US"/>
+            </a:p>
+          </p:txBody>
+        </p:sp>
+      </p:grpSp>
+      <p:grpSp>
+        <p:nvGrpSpPr>
+          <p:cNvPr id="3" name="Group 2">
+            <a:extLst>
+              <a:ext uri="{FF2B5EF4-FFF2-40B4-BE49-F238E27FC236}">
+                <a16:creationId xmlns:a16="http://schemas.microsoft.com/office/drawing/2014/main" id="{2FCB5F83-B8E2-4EE1-825A-0C4E75D09752}"/>
+              </a:ext>
+            </a:extLst>
+          </p:cNvPr>
+          <p:cNvGrpSpPr/>
+          <p:nvPr/>
+        </p:nvGrpSpPr>
+        <p:grpSpPr>
+          <a:xfrm>
+            <a:off x="2554550" y="2427105"/>
+            <a:ext cx="2229285" cy="1520984"/>
+            <a:chOff x="443349" y="2046570"/>
+            <a:chExt cx="2229285" cy="1520984"/>
+          </a:xfrm>
+        </p:grpSpPr>
+        <p:pic>
+          <p:nvPicPr>
+            <p:cNvPr id="7" name="Picture 6">
+              <a:extLst>
+                <a:ext uri="{FF2B5EF4-FFF2-40B4-BE49-F238E27FC236}">
+                  <a16:creationId xmlns:a16="http://schemas.microsoft.com/office/drawing/2014/main" id="{75585897-2B3F-4C34-959D-35795515FEAC}"/>
+                </a:ext>
+              </a:extLst>
+            </p:cNvPr>
+            <p:cNvPicPr>
+              <a:picLocks noChangeAspect="1"/>
+            </p:cNvPicPr>
+            <p:nvPr/>
+          </p:nvPicPr>
+          <p:blipFill>
+            <a:blip r:embed="rId6"/>
+            <a:stretch>
+              <a:fillRect/>
+            </a:stretch>
+          </p:blipFill>
+          <p:spPr>
+            <a:xfrm>
+              <a:off x="443349" y="2046570"/>
+              <a:ext cx="2229285" cy="1520984"/>
+            </a:xfrm>
+            <a:prstGeom prst="rect">
+              <a:avLst/>
+            </a:prstGeom>
+          </p:spPr>
+        </p:pic>
+        <p:sp>
+          <p:nvSpPr>
+            <p:cNvPr id="16" name="Rectangle 15">
+              <a:extLst>
+                <a:ext uri="{FF2B5EF4-FFF2-40B4-BE49-F238E27FC236}">
+                  <a16:creationId xmlns:a16="http://schemas.microsoft.com/office/drawing/2014/main" id="{5E82EE6F-7971-40D5-9D07-20A8F51CBCD8}"/>
+                </a:ext>
+              </a:extLst>
+            </p:cNvPr>
+            <p:cNvSpPr/>
+            <p:nvPr/>
+          </p:nvSpPr>
+          <p:spPr>
+            <a:xfrm>
+              <a:off x="814025" y="2127233"/>
+              <a:ext cx="1501629" cy="968179"/>
+            </a:xfrm>
+            <a:prstGeom prst="rect">
+              <a:avLst/>
+            </a:prstGeom>
+            <a:noFill/>
+          </p:spPr>
+          <p:style>
+            <a:lnRef idx="2">
+              <a:schemeClr val="dk1"/>
+            </a:lnRef>
+            <a:fillRef idx="1">
+              <a:schemeClr val="lt1"/>
+            </a:fillRef>
+            <a:effectRef idx="0">
+              <a:schemeClr val="dk1"/>
+            </a:effectRef>
+            <a:fontRef idx="minor">
+              <a:schemeClr val="dk1"/>
+            </a:fontRef>
+          </p:style>
+          <p:txBody>
+            <a:bodyPr rtlCol="0" anchor="ctr"/>
+            <a:lstStyle/>
+            <a:p>
+              <a:pPr algn="ctr"/>
+              <a:endParaRPr lang="en-US"/>
+            </a:p>
+          </p:txBody>
+        </p:sp>
+      </p:grpSp>
+      <p:grpSp>
+        <p:nvGrpSpPr>
+          <p:cNvPr id="2" name="Group 1">
+            <a:extLst>
+              <a:ext uri="{FF2B5EF4-FFF2-40B4-BE49-F238E27FC236}">
+                <a16:creationId xmlns:a16="http://schemas.microsoft.com/office/drawing/2014/main" id="{0BC4D81D-9D29-428F-85C6-25EC76765B9B}"/>
+              </a:ext>
+            </a:extLst>
+          </p:cNvPr>
+          <p:cNvGrpSpPr/>
+          <p:nvPr/>
+        </p:nvGrpSpPr>
+        <p:grpSpPr>
+          <a:xfrm>
+            <a:off x="493489" y="2318005"/>
             <a:ext cx="2000323" cy="1276567"/>
-          </a:xfrm>
-          <a:prstGeom prst="rect">
-            <a:avLst/>
-          </a:prstGeom>
-        </p:spPr>
-      </p:pic>
-      <p:pic>
-        <p:nvPicPr>
-          <p:cNvPr id="7" name="Picture 6">
-            <a:extLst>
-              <a:ext uri="{FF2B5EF4-FFF2-40B4-BE49-F238E27FC236}">
-                <a16:creationId xmlns:a16="http://schemas.microsoft.com/office/drawing/2014/main" id="{75585897-2B3F-4C34-959D-35795515FEAC}"/>
-              </a:ext>
-            </a:extLst>
-          </p:cNvPr>
-          <p:cNvPicPr>
-            <a:picLocks noChangeAspect="1"/>
-          </p:cNvPicPr>
-          <p:nvPr/>
-        </p:nvPicPr>
-        <p:blipFill>
-          <a:blip r:embed="rId4"/>
-          <a:stretch>
-            <a:fillRect/>
-          </a:stretch>
-        </p:blipFill>
-        <p:spPr>
-          <a:xfrm>
-            <a:off x="4822402" y="1585175"/>
-            <a:ext cx="2229285" cy="1520984"/>
-          </a:xfrm>
-          <a:prstGeom prst="rect">
-            <a:avLst/>
-          </a:prstGeom>
-        </p:spPr>
-      </p:pic>
-      <p:pic>
-        <p:nvPicPr>
-          <p:cNvPr id="8" name="Picture 7">
-            <a:extLst>
-              <a:ext uri="{FF2B5EF4-FFF2-40B4-BE49-F238E27FC236}">
-                <a16:creationId xmlns:a16="http://schemas.microsoft.com/office/drawing/2014/main" id="{4714E367-224B-4A53-9420-FA6D3677D1F5}"/>
-              </a:ext>
-            </a:extLst>
-          </p:cNvPr>
-          <p:cNvPicPr>
-            <a:picLocks noChangeAspect="1"/>
-          </p:cNvPicPr>
-          <p:nvPr/>
-        </p:nvPicPr>
-        <p:blipFill>
-          <a:blip r:embed="rId5"/>
-          <a:stretch>
-            <a:fillRect/>
-          </a:stretch>
-        </p:blipFill>
-        <p:spPr>
-          <a:xfrm>
-            <a:off x="5283863" y="3122937"/>
-            <a:ext cx="1331246" cy="968179"/>
-          </a:xfrm>
-          <a:prstGeom prst="rect">
-            <a:avLst/>
-          </a:prstGeom>
-        </p:spPr>
-      </p:pic>
-      <p:pic>
-        <p:nvPicPr>
-          <p:cNvPr id="9" name="Picture 8">
-            <a:extLst>
-              <a:ext uri="{FF2B5EF4-FFF2-40B4-BE49-F238E27FC236}">
-                <a16:creationId xmlns:a16="http://schemas.microsoft.com/office/drawing/2014/main" id="{8AFAB779-7A04-49C2-A8B5-DA09DF394475}"/>
-              </a:ext>
-            </a:extLst>
-          </p:cNvPr>
-          <p:cNvPicPr>
-            <a:picLocks noChangeAspect="1"/>
-          </p:cNvPicPr>
-          <p:nvPr/>
-        </p:nvPicPr>
-        <p:blipFill>
-          <a:blip r:embed="rId6"/>
-          <a:stretch>
-            <a:fillRect/>
-          </a:stretch>
-        </p:blipFill>
-        <p:spPr>
-          <a:xfrm>
-            <a:off x="6966102" y="5658280"/>
-            <a:ext cx="1708230" cy="1241665"/>
-          </a:xfrm>
-          <a:prstGeom prst="rect">
-            <a:avLst/>
-          </a:prstGeom>
-        </p:spPr>
-      </p:pic>
-      <p:pic>
-        <p:nvPicPr>
-          <p:cNvPr id="11" name="Picture 10">
-            <a:extLst>
-              <a:ext uri="{FF2B5EF4-FFF2-40B4-BE49-F238E27FC236}">
-                <a16:creationId xmlns:a16="http://schemas.microsoft.com/office/drawing/2014/main" id="{0955F384-5AB7-478B-8DB0-14572A91BD2D}"/>
-              </a:ext>
-            </a:extLst>
-          </p:cNvPr>
-          <p:cNvPicPr>
-            <a:picLocks noChangeAspect="1"/>
-          </p:cNvPicPr>
-          <p:nvPr/>
-        </p:nvPicPr>
-        <p:blipFill>
-          <a:blip r:embed="rId7"/>
-          <a:stretch>
-            <a:fillRect/>
-          </a:stretch>
-        </p:blipFill>
-        <p:spPr>
-          <a:xfrm>
-            <a:off x="3355580" y="5677239"/>
-            <a:ext cx="1613318" cy="1028212"/>
-          </a:xfrm>
-          <a:prstGeom prst="rect">
-            <a:avLst/>
-          </a:prstGeom>
-        </p:spPr>
-      </p:pic>
-      <p:sp>
-        <p:nvSpPr>
-          <p:cNvPr id="12" name="Rectangle 11">
-            <a:extLst>
-              <a:ext uri="{FF2B5EF4-FFF2-40B4-BE49-F238E27FC236}">
-                <a16:creationId xmlns:a16="http://schemas.microsoft.com/office/drawing/2014/main" id="{8EE8CC48-8183-404E-8A7E-A2D8F9622BC1}"/>
-              </a:ext>
-            </a:extLst>
-          </p:cNvPr>
-          <p:cNvSpPr/>
-          <p:nvPr/>
-        </p:nvSpPr>
-        <p:spPr>
-          <a:xfrm>
-            <a:off x="5193079" y="4397282"/>
-            <a:ext cx="1501629" cy="968179"/>
-          </a:xfrm>
-          <a:prstGeom prst="rect">
-            <a:avLst/>
-          </a:prstGeom>
-          <a:noFill/>
-        </p:spPr>
-        <p:style>
-          <a:lnRef idx="2">
-            <a:schemeClr val="dk1"/>
-          </a:lnRef>
-          <a:fillRef idx="1">
-            <a:schemeClr val="lt1"/>
-          </a:fillRef>
-          <a:effectRef idx="0">
-            <a:schemeClr val="dk1"/>
-          </a:effectRef>
-          <a:fontRef idx="minor">
-            <a:schemeClr val="dk1"/>
-          </a:fontRef>
-        </p:style>
-        <p:txBody>
-          <a:bodyPr rtlCol="0" anchor="ctr"/>
-          <a:lstStyle/>
-          <a:p>
-            <a:pPr algn="ctr"/>
-            <a:endParaRPr lang="en-US"/>
-          </a:p>
-        </p:txBody>
-      </p:sp>
-      <p:sp>
-        <p:nvSpPr>
-          <p:cNvPr id="13" name="Rectangle 12">
-            <a:extLst>
-              <a:ext uri="{FF2B5EF4-FFF2-40B4-BE49-F238E27FC236}">
-                <a16:creationId xmlns:a16="http://schemas.microsoft.com/office/drawing/2014/main" id="{91D6BFE9-4D61-465C-ACB3-7CFFC36A6273}"/>
-              </a:ext>
-            </a:extLst>
-          </p:cNvPr>
-          <p:cNvSpPr/>
-          <p:nvPr/>
-        </p:nvSpPr>
-        <p:spPr>
-          <a:xfrm>
-            <a:off x="3284310" y="5592929"/>
-            <a:ext cx="1501629" cy="968179"/>
-          </a:xfrm>
-          <a:prstGeom prst="rect">
-            <a:avLst/>
-          </a:prstGeom>
-          <a:noFill/>
-        </p:spPr>
-        <p:style>
-          <a:lnRef idx="2">
-            <a:schemeClr val="dk1"/>
-          </a:lnRef>
-          <a:fillRef idx="1">
-            <a:schemeClr val="lt1"/>
-          </a:fillRef>
-          <a:effectRef idx="0">
-            <a:schemeClr val="dk1"/>
-          </a:effectRef>
-          <a:fontRef idx="minor">
-            <a:schemeClr val="dk1"/>
-          </a:fontRef>
-        </p:style>
-        <p:txBody>
-          <a:bodyPr rtlCol="0" anchor="ctr"/>
-          <a:lstStyle/>
-          <a:p>
-            <a:pPr algn="ctr"/>
-            <a:endParaRPr lang="en-US"/>
-          </a:p>
-        </p:txBody>
-      </p:sp>
-      <p:sp>
-        <p:nvSpPr>
-          <p:cNvPr id="14" name="Rectangle 13">
-            <a:extLst>
-              <a:ext uri="{FF2B5EF4-FFF2-40B4-BE49-F238E27FC236}">
-                <a16:creationId xmlns:a16="http://schemas.microsoft.com/office/drawing/2014/main" id="{1009163D-A13F-4B3F-90F5-A97250BF0898}"/>
-              </a:ext>
-            </a:extLst>
-          </p:cNvPr>
-          <p:cNvSpPr/>
-          <p:nvPr/>
-        </p:nvSpPr>
-        <p:spPr>
-          <a:xfrm>
-            <a:off x="7069403" y="5604993"/>
-            <a:ext cx="1501629" cy="968179"/>
-          </a:xfrm>
-          <a:prstGeom prst="rect">
-            <a:avLst/>
-          </a:prstGeom>
-          <a:noFill/>
-        </p:spPr>
-        <p:style>
-          <a:lnRef idx="2">
-            <a:schemeClr val="dk1"/>
-          </a:lnRef>
-          <a:fillRef idx="1">
-            <a:schemeClr val="lt1"/>
-          </a:fillRef>
-          <a:effectRef idx="0">
-            <a:schemeClr val="dk1"/>
-          </a:effectRef>
-          <a:fontRef idx="minor">
-            <a:schemeClr val="dk1"/>
-          </a:fontRef>
-        </p:style>
-        <p:txBody>
-          <a:bodyPr rtlCol="0" anchor="ctr"/>
-          <a:lstStyle/>
-          <a:p>
-            <a:pPr algn="ctr"/>
-            <a:endParaRPr lang="en-US"/>
-          </a:p>
-        </p:txBody>
-      </p:sp>
-      <p:sp>
-        <p:nvSpPr>
-          <p:cNvPr id="15" name="Rectangle 14">
-            <a:extLst>
-              <a:ext uri="{FF2B5EF4-FFF2-40B4-BE49-F238E27FC236}">
-                <a16:creationId xmlns:a16="http://schemas.microsoft.com/office/drawing/2014/main" id="{2A21F933-56CC-4D2D-8FE8-124DFD62AFF4}"/>
-              </a:ext>
-            </a:extLst>
-          </p:cNvPr>
-          <p:cNvSpPr/>
-          <p:nvPr/>
-        </p:nvSpPr>
-        <p:spPr>
-          <a:xfrm>
-            <a:off x="5198671" y="3036718"/>
-            <a:ext cx="1501629" cy="968179"/>
-          </a:xfrm>
-          <a:prstGeom prst="rect">
-            <a:avLst/>
-          </a:prstGeom>
-          <a:noFill/>
-        </p:spPr>
-        <p:style>
-          <a:lnRef idx="2">
-            <a:schemeClr val="dk1"/>
-          </a:lnRef>
-          <a:fillRef idx="1">
-            <a:schemeClr val="lt1"/>
-          </a:fillRef>
-          <a:effectRef idx="0">
-            <a:schemeClr val="dk1"/>
-          </a:effectRef>
-          <a:fontRef idx="minor">
-            <a:schemeClr val="dk1"/>
-          </a:fontRef>
-        </p:style>
-        <p:txBody>
-          <a:bodyPr rtlCol="0" anchor="ctr"/>
-          <a:lstStyle/>
-          <a:p>
-            <a:pPr algn="ctr"/>
-            <a:endParaRPr lang="en-US"/>
-          </a:p>
-        </p:txBody>
-      </p:sp>
-      <p:sp>
-        <p:nvSpPr>
-          <p:cNvPr id="16" name="Rectangle 15">
-            <a:extLst>
-              <a:ext uri="{FF2B5EF4-FFF2-40B4-BE49-F238E27FC236}">
-                <a16:creationId xmlns:a16="http://schemas.microsoft.com/office/drawing/2014/main" id="{5E82EE6F-7971-40D5-9D07-20A8F51CBCD8}"/>
-              </a:ext>
-            </a:extLst>
-          </p:cNvPr>
-          <p:cNvSpPr/>
-          <p:nvPr/>
-        </p:nvSpPr>
-        <p:spPr>
-          <a:xfrm>
-            <a:off x="5193078" y="1665838"/>
-            <a:ext cx="1501629" cy="968179"/>
-          </a:xfrm>
-          <a:prstGeom prst="rect">
-            <a:avLst/>
-          </a:prstGeom>
-          <a:noFill/>
-        </p:spPr>
-        <p:style>
-          <a:lnRef idx="2">
-            <a:schemeClr val="dk1"/>
-          </a:lnRef>
-          <a:fillRef idx="1">
-            <a:schemeClr val="lt1"/>
-          </a:fillRef>
-          <a:effectRef idx="0">
-            <a:schemeClr val="dk1"/>
-          </a:effectRef>
-          <a:fontRef idx="minor">
-            <a:schemeClr val="dk1"/>
-          </a:fontRef>
-        </p:style>
-        <p:txBody>
-          <a:bodyPr rtlCol="0" anchor="ctr"/>
-          <a:lstStyle/>
-          <a:p>
-            <a:pPr algn="ctr"/>
-            <a:endParaRPr lang="en-US"/>
-          </a:p>
-        </p:txBody>
-      </p:sp>
-      <p:sp>
-        <p:nvSpPr>
-          <p:cNvPr id="17" name="Rectangle 16">
-            <a:extLst>
-              <a:ext uri="{FF2B5EF4-FFF2-40B4-BE49-F238E27FC236}">
-                <a16:creationId xmlns:a16="http://schemas.microsoft.com/office/drawing/2014/main" id="{C9A441F6-E852-43C3-B9C1-09E01A68B909}"/>
-              </a:ext>
-            </a:extLst>
-          </p:cNvPr>
-          <p:cNvSpPr/>
-          <p:nvPr/>
-        </p:nvSpPr>
-        <p:spPr>
-          <a:xfrm>
-            <a:off x="5193079" y="321820"/>
-            <a:ext cx="1501629" cy="968179"/>
-          </a:xfrm>
-          <a:prstGeom prst="rect">
-            <a:avLst/>
-          </a:prstGeom>
-          <a:noFill/>
-        </p:spPr>
-        <p:style>
-          <a:lnRef idx="2">
-            <a:schemeClr val="dk1"/>
-          </a:lnRef>
-          <a:fillRef idx="1">
-            <a:schemeClr val="lt1"/>
-          </a:fillRef>
-          <a:effectRef idx="0">
-            <a:schemeClr val="dk1"/>
-          </a:effectRef>
-          <a:fontRef idx="minor">
-            <a:schemeClr val="dk1"/>
-          </a:fontRef>
-        </p:style>
-        <p:txBody>
-          <a:bodyPr rtlCol="0" anchor="ctr"/>
-          <a:lstStyle/>
-          <a:p>
-            <a:pPr algn="ctr"/>
-            <a:endParaRPr lang="en-US"/>
-          </a:p>
-        </p:txBody>
-      </p:sp>
+            <a:chOff x="564677" y="620001"/>
+            <a:chExt cx="2000323" cy="1276567"/>
+          </a:xfrm>
+        </p:grpSpPr>
+        <p:pic>
+          <p:nvPicPr>
+            <p:cNvPr id="6" name="Picture 5">
+              <a:extLst>
+                <a:ext uri="{FF2B5EF4-FFF2-40B4-BE49-F238E27FC236}">
+                  <a16:creationId xmlns:a16="http://schemas.microsoft.com/office/drawing/2014/main" id="{AA840E72-F83F-4351-AF50-669259CA4E98}"/>
+                </a:ext>
+              </a:extLst>
+            </p:cNvPr>
+            <p:cNvPicPr>
+              <a:picLocks noChangeAspect="1"/>
+            </p:cNvPicPr>
+            <p:nvPr/>
+          </p:nvPicPr>
+          <p:blipFill>
+            <a:blip r:embed="rId7"/>
+            <a:stretch>
+              <a:fillRect/>
+            </a:stretch>
+          </p:blipFill>
+          <p:spPr>
+            <a:xfrm>
+              <a:off x="564677" y="620001"/>
+              <a:ext cx="2000323" cy="1276567"/>
+            </a:xfrm>
+            <a:prstGeom prst="rect">
+              <a:avLst/>
+            </a:prstGeom>
+          </p:spPr>
+        </p:pic>
+        <p:sp>
+          <p:nvSpPr>
+            <p:cNvPr id="17" name="Rectangle 16">
+              <a:extLst>
+                <a:ext uri="{FF2B5EF4-FFF2-40B4-BE49-F238E27FC236}">
+                  <a16:creationId xmlns:a16="http://schemas.microsoft.com/office/drawing/2014/main" id="{C9A441F6-E852-43C3-B9C1-09E01A68B909}"/>
+                </a:ext>
+              </a:extLst>
+            </p:cNvPr>
+            <p:cNvSpPr/>
+            <p:nvPr/>
+          </p:nvSpPr>
+          <p:spPr>
+            <a:xfrm>
+              <a:off x="814026" y="783215"/>
+              <a:ext cx="1501629" cy="968179"/>
+            </a:xfrm>
+            <a:prstGeom prst="rect">
+              <a:avLst/>
+            </a:prstGeom>
+            <a:noFill/>
+          </p:spPr>
+          <p:style>
+            <a:lnRef idx="2">
+              <a:schemeClr val="dk1"/>
+            </a:lnRef>
+            <a:fillRef idx="1">
+              <a:schemeClr val="lt1"/>
+            </a:fillRef>
+            <a:effectRef idx="0">
+              <a:schemeClr val="dk1"/>
+            </a:effectRef>
+            <a:fontRef idx="minor">
+              <a:schemeClr val="dk1"/>
+            </a:fontRef>
+          </p:style>
+          <p:txBody>
+            <a:bodyPr rtlCol="0" anchor="ctr"/>
+            <a:lstStyle/>
+            <a:p>
+              <a:pPr algn="ctr"/>
+              <a:endParaRPr lang="en-US"/>
+            </a:p>
+          </p:txBody>
+        </p:sp>
+      </p:grpSp>
       <p:cxnSp>
         <p:nvCxnSpPr>
-          <p:cNvPr id="19" name="Straight Arrow Connector 18">
-            <a:extLst>
-              <a:ext uri="{FF2B5EF4-FFF2-40B4-BE49-F238E27FC236}">
-                <a16:creationId xmlns:a16="http://schemas.microsoft.com/office/drawing/2014/main" id="{FCAAAA96-09DE-4895-83CF-783FE5167EB7}"/>
-              </a:ext>
-            </a:extLst>
-          </p:cNvPr>
-          <p:cNvCxnSpPr>
-            <a:cxnSpLocks/>
-            <a:stCxn id="17" idx="2"/>
-            <a:endCxn id="16" idx="0"/>
-          </p:cNvCxnSpPr>
-          <p:nvPr/>
-        </p:nvCxnSpPr>
-        <p:spPr>
-          <a:xfrm flipH="1">
-            <a:off x="5943893" y="1289999"/>
-            <a:ext cx="1" cy="375839"/>
-          </a:xfrm>
-          <a:prstGeom prst="straightConnector1">
-            <a:avLst/>
-          </a:prstGeom>
-          <a:ln>
-            <a:tailEnd type="triangle"/>
-          </a:ln>
-        </p:spPr>
-        <p:style>
-          <a:lnRef idx="1">
-            <a:schemeClr val="dk1"/>
-          </a:lnRef>
-          <a:fillRef idx="0">
-            <a:schemeClr val="dk1"/>
-          </a:fillRef>
-          <a:effectRef idx="0">
-            <a:schemeClr val="dk1"/>
-          </a:effectRef>
-          <a:fontRef idx="minor">
-            <a:schemeClr val="tx1"/>
-          </a:fontRef>
-        </p:style>
-      </p:cxnSp>
-      <p:cxnSp>
-        <p:nvCxnSpPr>
-          <p:cNvPr id="20" name="Straight Arrow Connector 19">
-            <a:extLst>
-              <a:ext uri="{FF2B5EF4-FFF2-40B4-BE49-F238E27FC236}">
-                <a16:creationId xmlns:a16="http://schemas.microsoft.com/office/drawing/2014/main" id="{DF704BF1-544D-40B6-A525-0E3746954A50}"/>
+          <p:cNvPr id="21" name="Straight Arrow Connector 20">
+            <a:extLst>
+              <a:ext uri="{FF2B5EF4-FFF2-40B4-BE49-F238E27FC236}">
+                <a16:creationId xmlns:a16="http://schemas.microsoft.com/office/drawing/2014/main" id="{B0F73E94-7F76-462A-B87E-FBC53AA5BD72}"/>
               </a:ext>
             </a:extLst>
           </p:cNvPr>
@@ -6034,50 +6119,9 @@
           <p:nvPr/>
         </p:nvCxnSpPr>
         <p:spPr>
-          <a:xfrm flipH="1">
-            <a:off x="5937044" y="2659540"/>
-            <a:ext cx="1" cy="341011"/>
-          </a:xfrm>
-          <a:prstGeom prst="straightConnector1">
-            <a:avLst/>
-          </a:prstGeom>
-          <a:ln>
-            <a:tailEnd type="triangle"/>
-          </a:ln>
-        </p:spPr>
-        <p:style>
-          <a:lnRef idx="1">
-            <a:schemeClr val="dk1"/>
-          </a:lnRef>
-          <a:fillRef idx="0">
-            <a:schemeClr val="dk1"/>
-          </a:fillRef>
-          <a:effectRef idx="0">
-            <a:schemeClr val="dk1"/>
-          </a:effectRef>
-          <a:fontRef idx="minor">
-            <a:schemeClr val="tx1"/>
-          </a:fontRef>
-        </p:style>
-      </p:cxnSp>
-      <p:cxnSp>
-        <p:nvCxnSpPr>
-          <p:cNvPr id="21" name="Straight Arrow Connector 20">
-            <a:extLst>
-              <a:ext uri="{FF2B5EF4-FFF2-40B4-BE49-F238E27FC236}">
-                <a16:creationId xmlns:a16="http://schemas.microsoft.com/office/drawing/2014/main" id="{B0F73E94-7F76-462A-B87E-FBC53AA5BD72}"/>
-              </a:ext>
-            </a:extLst>
-          </p:cNvPr>
-          <p:cNvCxnSpPr>
-            <a:cxnSpLocks/>
-          </p:cNvCxnSpPr>
-          <p:nvPr/>
-        </p:nvCxnSpPr>
-        <p:spPr>
-          <a:xfrm flipH="1">
-            <a:off x="5943894" y="4015615"/>
-            <a:ext cx="5592" cy="306166"/>
+          <a:xfrm>
+            <a:off x="4427142" y="2951187"/>
+            <a:ext cx="682595" cy="10205"/>
           </a:xfrm>
           <a:prstGeom prst="straightConnector1">
             <a:avLst/>
@@ -6112,13 +6156,14 @@
           </p:cNvPr>
           <p:cNvCxnSpPr>
             <a:cxnSpLocks/>
+            <a:stCxn id="12" idx="3"/>
           </p:cNvCxnSpPr>
           <p:nvPr/>
         </p:nvCxnSpPr>
         <p:spPr>
-          <a:xfrm flipH="1">
-            <a:off x="4785939" y="5360706"/>
-            <a:ext cx="387565" cy="232223"/>
+          <a:xfrm flipV="1">
+            <a:off x="8808381" y="2729505"/>
+            <a:ext cx="1339451" cy="215636"/>
           </a:xfrm>
           <a:prstGeom prst="straightConnector1">
             <a:avLst/>
@@ -6153,13 +6198,168 @@
           </p:cNvPr>
           <p:cNvCxnSpPr>
             <a:cxnSpLocks/>
+            <a:stCxn id="12" idx="3"/>
           </p:cNvCxnSpPr>
           <p:nvPr/>
         </p:nvCxnSpPr>
         <p:spPr>
           <a:xfrm>
-            <a:off x="6694708" y="5369764"/>
-            <a:ext cx="356979" cy="246571"/>
+            <a:off x="8808381" y="2945141"/>
+            <a:ext cx="1347780" cy="305817"/>
+          </a:xfrm>
+          <a:prstGeom prst="straightConnector1">
+            <a:avLst/>
+          </a:prstGeom>
+          <a:ln>
+            <a:tailEnd type="triangle"/>
+          </a:ln>
+        </p:spPr>
+        <p:style>
+          <a:lnRef idx="1">
+            <a:schemeClr val="dk1"/>
+          </a:lnRef>
+          <a:fillRef idx="0">
+            <a:schemeClr val="dk1"/>
+          </a:fillRef>
+          <a:effectRef idx="0">
+            <a:schemeClr val="dk1"/>
+          </a:effectRef>
+          <a:fontRef idx="minor">
+            <a:schemeClr val="tx1"/>
+          </a:fontRef>
+        </p:style>
+      </p:cxnSp>
+      <p:sp>
+        <p:nvSpPr>
+          <p:cNvPr id="33" name="TextBox 32">
+            <a:extLst>
+              <a:ext uri="{FF2B5EF4-FFF2-40B4-BE49-F238E27FC236}">
+                <a16:creationId xmlns:a16="http://schemas.microsoft.com/office/drawing/2014/main" id="{B56234AB-11C5-4629-8964-8A804F36BC14}"/>
+              </a:ext>
+            </a:extLst>
+          </p:cNvPr>
+          <p:cNvSpPr txBox="1"/>
+          <p:nvPr/>
+        </p:nvSpPr>
+        <p:spPr>
+          <a:xfrm rot="755005">
+            <a:off x="9217680" y="3029363"/>
+            <a:ext cx="584968" cy="276999"/>
+          </a:xfrm>
+          <a:prstGeom prst="rect">
+            <a:avLst/>
+          </a:prstGeom>
+          <a:noFill/>
+        </p:spPr>
+        <p:txBody>
+          <a:bodyPr wrap="none" rtlCol="0">
+            <a:spAutoFit/>
+          </a:bodyPr>
+          <a:lstStyle/>
+          <a:p>
+            <a:r>
+              <a:rPr lang="en-US" sz="1200" dirty="0"/>
+              <a:t>Ignore</a:t>
+            </a:r>
+            <a:endParaRPr lang="en-US" sz="1400" dirty="0"/>
+          </a:p>
+        </p:txBody>
+      </p:sp>
+      <p:sp>
+        <p:nvSpPr>
+          <p:cNvPr id="34" name="TextBox 33">
+            <a:extLst>
+              <a:ext uri="{FF2B5EF4-FFF2-40B4-BE49-F238E27FC236}">
+                <a16:creationId xmlns:a16="http://schemas.microsoft.com/office/drawing/2014/main" id="{565F2AB6-63F7-49B2-8E59-88D14E533943}"/>
+              </a:ext>
+            </a:extLst>
+          </p:cNvPr>
+          <p:cNvSpPr txBox="1"/>
+          <p:nvPr/>
+        </p:nvSpPr>
+        <p:spPr>
+          <a:xfrm rot="21007395">
+            <a:off x="9115205" y="2588734"/>
+            <a:ext cx="671979" cy="276999"/>
+          </a:xfrm>
+          <a:prstGeom prst="rect">
+            <a:avLst/>
+          </a:prstGeom>
+          <a:noFill/>
+        </p:spPr>
+        <p:txBody>
+          <a:bodyPr wrap="none" rtlCol="0">
+            <a:spAutoFit/>
+          </a:bodyPr>
+          <a:lstStyle/>
+          <a:p>
+            <a:r>
+              <a:rPr lang="en-US" sz="1200" dirty="0"/>
+              <a:t>Gamble</a:t>
+            </a:r>
+            <a:endParaRPr lang="en-US" sz="1400" dirty="0"/>
+          </a:p>
+        </p:txBody>
+      </p:sp>
+      <p:cxnSp>
+        <p:nvCxnSpPr>
+          <p:cNvPr id="44" name="Straight Arrow Connector 43">
+            <a:extLst>
+              <a:ext uri="{FF2B5EF4-FFF2-40B4-BE49-F238E27FC236}">
+                <a16:creationId xmlns:a16="http://schemas.microsoft.com/office/drawing/2014/main" id="{57D6068C-F722-4B6A-AE65-582A46C53A11}"/>
+              </a:ext>
+            </a:extLst>
+          </p:cNvPr>
+          <p:cNvCxnSpPr>
+            <a:cxnSpLocks/>
+          </p:cNvCxnSpPr>
+          <p:nvPr/>
+        </p:nvCxnSpPr>
+        <p:spPr>
+          <a:xfrm>
+            <a:off x="6619992" y="2958763"/>
+            <a:ext cx="682595" cy="10205"/>
+          </a:xfrm>
+          <a:prstGeom prst="straightConnector1">
+            <a:avLst/>
+          </a:prstGeom>
+          <a:ln>
+            <a:tailEnd type="triangle"/>
+          </a:ln>
+        </p:spPr>
+        <p:style>
+          <a:lnRef idx="1">
+            <a:schemeClr val="dk1"/>
+          </a:lnRef>
+          <a:fillRef idx="0">
+            <a:schemeClr val="dk1"/>
+          </a:fillRef>
+          <a:effectRef idx="0">
+            <a:schemeClr val="dk1"/>
+          </a:effectRef>
+          <a:fontRef idx="minor">
+            <a:schemeClr val="tx1"/>
+          </a:fontRef>
+        </p:style>
+      </p:cxnSp>
+      <p:cxnSp>
+        <p:nvCxnSpPr>
+          <p:cNvPr id="45" name="Straight Arrow Connector 44">
+            <a:extLst>
+              <a:ext uri="{FF2B5EF4-FFF2-40B4-BE49-F238E27FC236}">
+                <a16:creationId xmlns:a16="http://schemas.microsoft.com/office/drawing/2014/main" id="{B0D1215B-3AC8-425E-B32D-47BDC821471A}"/>
+              </a:ext>
+            </a:extLst>
+          </p:cNvPr>
+          <p:cNvCxnSpPr>
+            <a:cxnSpLocks/>
+          </p:cNvCxnSpPr>
+          <p:nvPr/>
+        </p:nvCxnSpPr>
+        <p:spPr>
+          <a:xfrm>
+            <a:off x="2238466" y="2961501"/>
+            <a:ext cx="682595" cy="10205"/>
           </a:xfrm>
           <a:prstGeom prst="straightConnector1">
             <a:avLst/>
@@ -6956,6 +7156,701 @@
     <p:extLst>
       <p:ext uri="{BB962C8B-B14F-4D97-AF65-F5344CB8AC3E}">
         <p14:creationId xmlns:p14="http://schemas.microsoft.com/office/powerpoint/2010/main" val="2316988597"/>
+      </p:ext>
+    </p:extLst>
+  </p:cSld>
+  <p:clrMapOvr>
+    <a:masterClrMapping/>
+  </p:clrMapOvr>
+</p:sld>
+</file>
+
+<file path=ppt/slides/slide22.xml><?xml version="1.0" encoding="utf-8"?>
+<p:sld xmlns:a="http://schemas.openxmlformats.org/drawingml/2006/main" xmlns:r="http://schemas.openxmlformats.org/officeDocument/2006/relationships" xmlns:p="http://schemas.openxmlformats.org/presentationml/2006/main">
+  <p:cSld>
+    <p:spTree>
+      <p:nvGrpSpPr>
+        <p:cNvPr id="1" name=""/>
+        <p:cNvGrpSpPr/>
+        <p:nvPr/>
+      </p:nvGrpSpPr>
+      <p:grpSpPr>
+        <a:xfrm>
+          <a:off x="0" y="0"/>
+          <a:ext cx="0" cy="0"/>
+          <a:chOff x="0" y="0"/>
+          <a:chExt cx="0" cy="0"/>
+        </a:xfrm>
+      </p:grpSpPr>
+      <p:sp>
+        <p:nvSpPr>
+          <p:cNvPr id="2" name="Title 1">
+            <a:extLst>
+              <a:ext uri="{FF2B5EF4-FFF2-40B4-BE49-F238E27FC236}">
+                <a16:creationId xmlns:a16="http://schemas.microsoft.com/office/drawing/2014/main" id="{0919D036-5089-478F-84B7-18B37F0E38FA}"/>
+              </a:ext>
+            </a:extLst>
+          </p:cNvPr>
+          <p:cNvSpPr>
+            <a:spLocks noGrp="1"/>
+          </p:cNvSpPr>
+          <p:nvPr>
+            <p:ph type="title"/>
+          </p:nvPr>
+        </p:nvSpPr>
+        <p:spPr>
+          <a:xfrm>
+            <a:off x="252866" y="19992"/>
+            <a:ext cx="4547286" cy="611059"/>
+          </a:xfrm>
+        </p:spPr>
+        <p:txBody>
+          <a:bodyPr>
+            <a:normAutofit/>
+          </a:bodyPr>
+          <a:lstStyle/>
+          <a:p>
+            <a:r>
+              <a:rPr lang="en-US" sz="1200" dirty="0"/>
+              <a:t>Does the number of failed catch trials dictate gambling, RT ramps?</a:t>
+            </a:r>
+          </a:p>
+        </p:txBody>
+      </p:sp>
+      <p:sp>
+        <p:nvSpPr>
+          <p:cNvPr id="4" name="TextBox 3">
+            <a:extLst>
+              <a:ext uri="{FF2B5EF4-FFF2-40B4-BE49-F238E27FC236}">
+                <a16:creationId xmlns:a16="http://schemas.microsoft.com/office/drawing/2014/main" id="{D5B99FAA-ADE6-441A-A155-DF852E390449}"/>
+              </a:ext>
+            </a:extLst>
+          </p:cNvPr>
+          <p:cNvSpPr txBox="1"/>
+          <p:nvPr/>
+        </p:nvSpPr>
+        <p:spPr>
+          <a:xfrm>
+            <a:off x="235764" y="623889"/>
+            <a:ext cx="2370521" cy="307777"/>
+          </a:xfrm>
+          <a:prstGeom prst="rect">
+            <a:avLst/>
+          </a:prstGeom>
+          <a:noFill/>
+        </p:spPr>
+        <p:txBody>
+          <a:bodyPr wrap="none" rtlCol="0">
+            <a:spAutoFit/>
+          </a:bodyPr>
+          <a:lstStyle/>
+          <a:p>
+            <a:r>
+              <a:rPr lang="en-US" sz="1400" dirty="0"/>
+              <a:t>Fail any number of catch trials</a:t>
+            </a:r>
+          </a:p>
+        </p:txBody>
+      </p:sp>
+      <p:sp>
+        <p:nvSpPr>
+          <p:cNvPr id="5" name="TextBox 4">
+            <a:extLst>
+              <a:ext uri="{FF2B5EF4-FFF2-40B4-BE49-F238E27FC236}">
+                <a16:creationId xmlns:a16="http://schemas.microsoft.com/office/drawing/2014/main" id="{DD391983-3225-4A7D-A3A8-8B34FC921EAB}"/>
+              </a:ext>
+            </a:extLst>
+          </p:cNvPr>
+          <p:cNvSpPr txBox="1"/>
+          <p:nvPr/>
+        </p:nvSpPr>
+        <p:spPr>
+          <a:xfrm>
+            <a:off x="134960" y="2751973"/>
+            <a:ext cx="1323889" cy="307777"/>
+          </a:xfrm>
+          <a:prstGeom prst="rect">
+            <a:avLst/>
+          </a:prstGeom>
+          <a:noFill/>
+        </p:spPr>
+        <p:txBody>
+          <a:bodyPr wrap="none" rtlCol="0">
+            <a:spAutoFit/>
+          </a:bodyPr>
+          <a:lstStyle/>
+          <a:p>
+            <a:r>
+              <a:rPr lang="en-US" sz="1400" dirty="0"/>
+              <a:t>Fail 1 catch trial</a:t>
+            </a:r>
+          </a:p>
+        </p:txBody>
+      </p:sp>
+      <p:sp>
+        <p:nvSpPr>
+          <p:cNvPr id="6" name="TextBox 5">
+            <a:extLst>
+              <a:ext uri="{FF2B5EF4-FFF2-40B4-BE49-F238E27FC236}">
+                <a16:creationId xmlns:a16="http://schemas.microsoft.com/office/drawing/2014/main" id="{B89CC7EF-28EB-4D55-B4DE-3B28F0C3416B}"/>
+              </a:ext>
+            </a:extLst>
+          </p:cNvPr>
+          <p:cNvSpPr txBox="1"/>
+          <p:nvPr/>
+        </p:nvSpPr>
+        <p:spPr>
+          <a:xfrm>
+            <a:off x="235764" y="4848023"/>
+            <a:ext cx="1394421" cy="307777"/>
+          </a:xfrm>
+          <a:prstGeom prst="rect">
+            <a:avLst/>
+          </a:prstGeom>
+          <a:noFill/>
+        </p:spPr>
+        <p:txBody>
+          <a:bodyPr wrap="none" rtlCol="0">
+            <a:spAutoFit/>
+          </a:bodyPr>
+          <a:lstStyle/>
+          <a:p>
+            <a:r>
+              <a:rPr lang="en-US" sz="1400" dirty="0"/>
+              <a:t>Fail 2 catch trials</a:t>
+            </a:r>
+          </a:p>
+        </p:txBody>
+      </p:sp>
+      <p:sp>
+        <p:nvSpPr>
+          <p:cNvPr id="7" name="TextBox 6">
+            <a:extLst>
+              <a:ext uri="{FF2B5EF4-FFF2-40B4-BE49-F238E27FC236}">
+                <a16:creationId xmlns:a16="http://schemas.microsoft.com/office/drawing/2014/main" id="{205B96E4-EA70-40A7-9E54-16185CE42161}"/>
+              </a:ext>
+            </a:extLst>
+          </p:cNvPr>
+          <p:cNvSpPr txBox="1"/>
+          <p:nvPr/>
+        </p:nvSpPr>
+        <p:spPr>
+          <a:xfrm>
+            <a:off x="6141395" y="623889"/>
+            <a:ext cx="1394421" cy="307777"/>
+          </a:xfrm>
+          <a:prstGeom prst="rect">
+            <a:avLst/>
+          </a:prstGeom>
+          <a:noFill/>
+        </p:spPr>
+        <p:txBody>
+          <a:bodyPr wrap="none" rtlCol="0">
+            <a:spAutoFit/>
+          </a:bodyPr>
+          <a:lstStyle/>
+          <a:p>
+            <a:r>
+              <a:rPr lang="en-US" sz="1400" dirty="0"/>
+              <a:t>Fail 3 catch trials</a:t>
+            </a:r>
+          </a:p>
+        </p:txBody>
+      </p:sp>
+      <p:sp>
+        <p:nvSpPr>
+          <p:cNvPr id="8" name="TextBox 7">
+            <a:extLst>
+              <a:ext uri="{FF2B5EF4-FFF2-40B4-BE49-F238E27FC236}">
+                <a16:creationId xmlns:a16="http://schemas.microsoft.com/office/drawing/2014/main" id="{2E166519-48A4-4534-81EE-F96BC23D1702}"/>
+              </a:ext>
+            </a:extLst>
+          </p:cNvPr>
+          <p:cNvSpPr txBox="1"/>
+          <p:nvPr/>
+        </p:nvSpPr>
+        <p:spPr>
+          <a:xfrm>
+            <a:off x="5934125" y="2751973"/>
+            <a:ext cx="1394421" cy="307777"/>
+          </a:xfrm>
+          <a:prstGeom prst="rect">
+            <a:avLst/>
+          </a:prstGeom>
+          <a:noFill/>
+        </p:spPr>
+        <p:txBody>
+          <a:bodyPr wrap="none" rtlCol="0">
+            <a:spAutoFit/>
+          </a:bodyPr>
+          <a:lstStyle/>
+          <a:p>
+            <a:r>
+              <a:rPr lang="en-US" sz="1400" dirty="0"/>
+              <a:t>Fail 4 catch trials</a:t>
+            </a:r>
+          </a:p>
+        </p:txBody>
+      </p:sp>
+      <p:sp>
+        <p:nvSpPr>
+          <p:cNvPr id="9" name="TextBox 8">
+            <a:extLst>
+              <a:ext uri="{FF2B5EF4-FFF2-40B4-BE49-F238E27FC236}">
+                <a16:creationId xmlns:a16="http://schemas.microsoft.com/office/drawing/2014/main" id="{D1732FA4-8A89-4A9F-8468-52FB4CBF2B90}"/>
+              </a:ext>
+            </a:extLst>
+          </p:cNvPr>
+          <p:cNvSpPr txBox="1"/>
+          <p:nvPr/>
+        </p:nvSpPr>
+        <p:spPr>
+          <a:xfrm>
+            <a:off x="6096000" y="4813067"/>
+            <a:ext cx="1394421" cy="307777"/>
+          </a:xfrm>
+          <a:prstGeom prst="rect">
+            <a:avLst/>
+          </a:prstGeom>
+          <a:noFill/>
+        </p:spPr>
+        <p:txBody>
+          <a:bodyPr wrap="none" rtlCol="0">
+            <a:spAutoFit/>
+          </a:bodyPr>
+          <a:lstStyle/>
+          <a:p>
+            <a:r>
+              <a:rPr lang="en-US" sz="1400" dirty="0"/>
+              <a:t>Fail 5 catch trials</a:t>
+            </a:r>
+          </a:p>
+        </p:txBody>
+      </p:sp>
+      <p:pic>
+        <p:nvPicPr>
+          <p:cNvPr id="10" name="Picture 9">
+            <a:extLst>
+              <a:ext uri="{FF2B5EF4-FFF2-40B4-BE49-F238E27FC236}">
+                <a16:creationId xmlns:a16="http://schemas.microsoft.com/office/drawing/2014/main" id="{5BCCD836-7B7E-4BEF-8FD1-E45164AC4375}"/>
+              </a:ext>
+            </a:extLst>
+          </p:cNvPr>
+          <p:cNvPicPr>
+            <a:picLocks noChangeAspect="1"/>
+          </p:cNvPicPr>
+          <p:nvPr/>
+        </p:nvPicPr>
+        <p:blipFill>
+          <a:blip r:embed="rId2"/>
+          <a:stretch>
+            <a:fillRect/>
+          </a:stretch>
+        </p:blipFill>
+        <p:spPr>
+          <a:xfrm>
+            <a:off x="134960" y="985803"/>
+            <a:ext cx="2418898" cy="1614949"/>
+          </a:xfrm>
+          <a:prstGeom prst="rect">
+            <a:avLst/>
+          </a:prstGeom>
+        </p:spPr>
+      </p:pic>
+      <p:pic>
+        <p:nvPicPr>
+          <p:cNvPr id="11" name="Picture 10">
+            <a:extLst>
+              <a:ext uri="{FF2B5EF4-FFF2-40B4-BE49-F238E27FC236}">
+                <a16:creationId xmlns:a16="http://schemas.microsoft.com/office/drawing/2014/main" id="{ABFAB894-F8D4-426D-988E-788D87F2195F}"/>
+              </a:ext>
+            </a:extLst>
+          </p:cNvPr>
+          <p:cNvPicPr>
+            <a:picLocks noChangeAspect="1"/>
+          </p:cNvPicPr>
+          <p:nvPr/>
+        </p:nvPicPr>
+        <p:blipFill>
+          <a:blip r:embed="rId3"/>
+          <a:stretch>
+            <a:fillRect/>
+          </a:stretch>
+        </p:blipFill>
+        <p:spPr>
+          <a:xfrm>
+            <a:off x="2743200" y="940455"/>
+            <a:ext cx="2418898" cy="1614949"/>
+          </a:xfrm>
+          <a:prstGeom prst="rect">
+            <a:avLst/>
+          </a:prstGeom>
+        </p:spPr>
+      </p:pic>
+      <p:pic>
+        <p:nvPicPr>
+          <p:cNvPr id="12" name="Picture 11">
+            <a:extLst>
+              <a:ext uri="{FF2B5EF4-FFF2-40B4-BE49-F238E27FC236}">
+                <a16:creationId xmlns:a16="http://schemas.microsoft.com/office/drawing/2014/main" id="{76D9F4C3-834F-4510-874C-51FDDB652102}"/>
+              </a:ext>
+            </a:extLst>
+          </p:cNvPr>
+          <p:cNvPicPr>
+            <a:picLocks noChangeAspect="1"/>
+          </p:cNvPicPr>
+          <p:nvPr/>
+        </p:nvPicPr>
+        <p:blipFill>
+          <a:blip r:embed="rId4"/>
+          <a:stretch>
+            <a:fillRect/>
+          </a:stretch>
+        </p:blipFill>
+        <p:spPr>
+          <a:xfrm>
+            <a:off x="2658641" y="3037912"/>
+            <a:ext cx="2418897" cy="1614949"/>
+          </a:xfrm>
+          <a:prstGeom prst="rect">
+            <a:avLst/>
+          </a:prstGeom>
+        </p:spPr>
+      </p:pic>
+      <p:pic>
+        <p:nvPicPr>
+          <p:cNvPr id="13" name="Picture 12">
+            <a:extLst>
+              <a:ext uri="{FF2B5EF4-FFF2-40B4-BE49-F238E27FC236}">
+                <a16:creationId xmlns:a16="http://schemas.microsoft.com/office/drawing/2014/main" id="{44CCDD0F-E4E7-4D50-80C3-B9C7E14F48D7}"/>
+              </a:ext>
+            </a:extLst>
+          </p:cNvPr>
+          <p:cNvPicPr>
+            <a:picLocks noChangeAspect="1"/>
+          </p:cNvPicPr>
+          <p:nvPr/>
+        </p:nvPicPr>
+        <p:blipFill>
+          <a:blip r:embed="rId5"/>
+          <a:stretch>
+            <a:fillRect/>
+          </a:stretch>
+        </p:blipFill>
+        <p:spPr>
+          <a:xfrm>
+            <a:off x="281442" y="3084559"/>
+            <a:ext cx="2279163" cy="1521657"/>
+          </a:xfrm>
+          <a:prstGeom prst="rect">
+            <a:avLst/>
+          </a:prstGeom>
+        </p:spPr>
+      </p:pic>
+      <p:pic>
+        <p:nvPicPr>
+          <p:cNvPr id="14" name="Picture 13">
+            <a:extLst>
+              <a:ext uri="{FF2B5EF4-FFF2-40B4-BE49-F238E27FC236}">
+                <a16:creationId xmlns:a16="http://schemas.microsoft.com/office/drawing/2014/main" id="{A71C1592-05D8-4240-9727-ED1D83F86846}"/>
+              </a:ext>
+            </a:extLst>
+          </p:cNvPr>
+          <p:cNvPicPr>
+            <a:picLocks noChangeAspect="1"/>
+          </p:cNvPicPr>
+          <p:nvPr/>
+        </p:nvPicPr>
+        <p:blipFill>
+          <a:blip r:embed="rId6"/>
+          <a:stretch>
+            <a:fillRect/>
+          </a:stretch>
+        </p:blipFill>
+        <p:spPr>
+          <a:xfrm>
+            <a:off x="2805715" y="5249384"/>
+            <a:ext cx="2214060" cy="1478192"/>
+          </a:xfrm>
+          <a:prstGeom prst="rect">
+            <a:avLst/>
+          </a:prstGeom>
+        </p:spPr>
+      </p:pic>
+      <p:pic>
+        <p:nvPicPr>
+          <p:cNvPr id="15" name="Picture 14">
+            <a:extLst>
+              <a:ext uri="{FF2B5EF4-FFF2-40B4-BE49-F238E27FC236}">
+                <a16:creationId xmlns:a16="http://schemas.microsoft.com/office/drawing/2014/main" id="{D68FCC05-F7BB-474F-86E3-952974122462}"/>
+              </a:ext>
+            </a:extLst>
+          </p:cNvPr>
+          <p:cNvPicPr>
+            <a:picLocks noChangeAspect="1"/>
+          </p:cNvPicPr>
+          <p:nvPr/>
+        </p:nvPicPr>
+        <p:blipFill>
+          <a:blip r:embed="rId7"/>
+          <a:stretch>
+            <a:fillRect/>
+          </a:stretch>
+        </p:blipFill>
+        <p:spPr>
+          <a:xfrm>
+            <a:off x="252866" y="5210172"/>
+            <a:ext cx="2214060" cy="1478192"/>
+          </a:xfrm>
+          <a:prstGeom prst="rect">
+            <a:avLst/>
+          </a:prstGeom>
+        </p:spPr>
+      </p:pic>
+      <p:pic>
+        <p:nvPicPr>
+          <p:cNvPr id="16" name="Picture 15">
+            <a:extLst>
+              <a:ext uri="{FF2B5EF4-FFF2-40B4-BE49-F238E27FC236}">
+                <a16:creationId xmlns:a16="http://schemas.microsoft.com/office/drawing/2014/main" id="{B227D4CE-F1CA-4EFE-8026-18A43BEC6606}"/>
+              </a:ext>
+            </a:extLst>
+          </p:cNvPr>
+          <p:cNvPicPr>
+            <a:picLocks noChangeAspect="1"/>
+          </p:cNvPicPr>
+          <p:nvPr/>
+        </p:nvPicPr>
+        <p:blipFill>
+          <a:blip r:embed="rId8"/>
+          <a:stretch>
+            <a:fillRect/>
+          </a:stretch>
+        </p:blipFill>
+        <p:spPr>
+          <a:xfrm>
+            <a:off x="8697208" y="931665"/>
+            <a:ext cx="2418897" cy="1614949"/>
+          </a:xfrm>
+          <a:prstGeom prst="rect">
+            <a:avLst/>
+          </a:prstGeom>
+        </p:spPr>
+      </p:pic>
+      <p:pic>
+        <p:nvPicPr>
+          <p:cNvPr id="17" name="Picture 16">
+            <a:extLst>
+              <a:ext uri="{FF2B5EF4-FFF2-40B4-BE49-F238E27FC236}">
+                <a16:creationId xmlns:a16="http://schemas.microsoft.com/office/drawing/2014/main" id="{B2CF4576-EB03-4D2A-B215-3D041D2715BD}"/>
+              </a:ext>
+            </a:extLst>
+          </p:cNvPr>
+          <p:cNvPicPr>
+            <a:picLocks noChangeAspect="1"/>
+          </p:cNvPicPr>
+          <p:nvPr/>
+        </p:nvPicPr>
+        <p:blipFill>
+          <a:blip r:embed="rId9"/>
+          <a:stretch>
+            <a:fillRect/>
+          </a:stretch>
+        </p:blipFill>
+        <p:spPr>
+          <a:xfrm>
+            <a:off x="5934125" y="931666"/>
+            <a:ext cx="2418897" cy="1614949"/>
+          </a:xfrm>
+          <a:prstGeom prst="rect">
+            <a:avLst/>
+          </a:prstGeom>
+        </p:spPr>
+      </p:pic>
+      <p:pic>
+        <p:nvPicPr>
+          <p:cNvPr id="18" name="Picture 17">
+            <a:extLst>
+              <a:ext uri="{FF2B5EF4-FFF2-40B4-BE49-F238E27FC236}">
+                <a16:creationId xmlns:a16="http://schemas.microsoft.com/office/drawing/2014/main" id="{7F8B80BA-183F-45D8-9C77-336124286856}"/>
+              </a:ext>
+            </a:extLst>
+          </p:cNvPr>
+          <p:cNvPicPr>
+            <a:picLocks noChangeAspect="1"/>
+          </p:cNvPicPr>
+          <p:nvPr/>
+        </p:nvPicPr>
+        <p:blipFill>
+          <a:blip r:embed="rId10"/>
+          <a:stretch>
+            <a:fillRect/>
+          </a:stretch>
+        </p:blipFill>
+        <p:spPr>
+          <a:xfrm>
+            <a:off x="8700979" y="3059750"/>
+            <a:ext cx="2418898" cy="1614949"/>
+          </a:xfrm>
+          <a:prstGeom prst="rect">
+            <a:avLst/>
+          </a:prstGeom>
+        </p:spPr>
+      </p:pic>
+      <p:pic>
+        <p:nvPicPr>
+          <p:cNvPr id="19" name="Picture 18">
+            <a:extLst>
+              <a:ext uri="{FF2B5EF4-FFF2-40B4-BE49-F238E27FC236}">
+                <a16:creationId xmlns:a16="http://schemas.microsoft.com/office/drawing/2014/main" id="{DB87C6F9-8C32-4CDC-9AF6-C3B4C083FEE7}"/>
+              </a:ext>
+            </a:extLst>
+          </p:cNvPr>
+          <p:cNvPicPr>
+            <a:picLocks noChangeAspect="1"/>
+          </p:cNvPicPr>
+          <p:nvPr/>
+        </p:nvPicPr>
+        <p:blipFill>
+          <a:blip r:embed="rId11"/>
+          <a:stretch>
+            <a:fillRect/>
+          </a:stretch>
+        </p:blipFill>
+        <p:spPr>
+          <a:xfrm>
+            <a:off x="6184046" y="3121300"/>
+            <a:ext cx="2178443" cy="1454413"/>
+          </a:xfrm>
+          <a:prstGeom prst="rect">
+            <a:avLst/>
+          </a:prstGeom>
+        </p:spPr>
+      </p:pic>
+      <p:pic>
+        <p:nvPicPr>
+          <p:cNvPr id="23" name="Picture 22">
+            <a:extLst>
+              <a:ext uri="{FF2B5EF4-FFF2-40B4-BE49-F238E27FC236}">
+                <a16:creationId xmlns:a16="http://schemas.microsoft.com/office/drawing/2014/main" id="{CBC9A330-0378-4541-92A0-7F86F01B3365}"/>
+              </a:ext>
+            </a:extLst>
+          </p:cNvPr>
+          <p:cNvPicPr>
+            <a:picLocks noChangeAspect="1"/>
+          </p:cNvPicPr>
+          <p:nvPr/>
+        </p:nvPicPr>
+        <p:blipFill>
+          <a:blip r:embed="rId12"/>
+          <a:stretch>
+            <a:fillRect/>
+          </a:stretch>
+        </p:blipFill>
+        <p:spPr>
+          <a:xfrm>
+            <a:off x="8860454" y="5249384"/>
+            <a:ext cx="2092403" cy="1396969"/>
+          </a:xfrm>
+          <a:prstGeom prst="rect">
+            <a:avLst/>
+          </a:prstGeom>
+        </p:spPr>
+      </p:pic>
+      <p:pic>
+        <p:nvPicPr>
+          <p:cNvPr id="24" name="Picture 23">
+            <a:extLst>
+              <a:ext uri="{FF2B5EF4-FFF2-40B4-BE49-F238E27FC236}">
+                <a16:creationId xmlns:a16="http://schemas.microsoft.com/office/drawing/2014/main" id="{B4852B8B-0208-44E3-8258-3DF1541CE11E}"/>
+              </a:ext>
+            </a:extLst>
+          </p:cNvPr>
+          <p:cNvPicPr>
+            <a:picLocks noChangeAspect="1"/>
+          </p:cNvPicPr>
+          <p:nvPr/>
+        </p:nvPicPr>
+        <p:blipFill>
+          <a:blip r:embed="rId13"/>
+          <a:stretch>
+            <a:fillRect/>
+          </a:stretch>
+        </p:blipFill>
+        <p:spPr>
+          <a:xfrm>
+            <a:off x="6301945" y="5241645"/>
+            <a:ext cx="2051077" cy="1369378"/>
+          </a:xfrm>
+          <a:prstGeom prst="rect">
+            <a:avLst/>
+          </a:prstGeom>
+        </p:spPr>
+      </p:pic>
+    </p:spTree>
+    <p:extLst>
+      <p:ext uri="{BB962C8B-B14F-4D97-AF65-F5344CB8AC3E}">
+        <p14:creationId xmlns:p14="http://schemas.microsoft.com/office/powerpoint/2010/main" val="3250938273"/>
+      </p:ext>
+    </p:extLst>
+  </p:cSld>
+  <p:clrMapOvr>
+    <a:masterClrMapping/>
+  </p:clrMapOvr>
+</p:sld>
+</file>
+
+<file path=ppt/slides/slide23.xml><?xml version="1.0" encoding="utf-8"?>
+<p:sld xmlns:a="http://schemas.openxmlformats.org/drawingml/2006/main" xmlns:r="http://schemas.openxmlformats.org/officeDocument/2006/relationships" xmlns:p="http://schemas.openxmlformats.org/presentationml/2006/main">
+  <p:cSld>
+    <p:spTree>
+      <p:nvGrpSpPr>
+        <p:cNvPr id="1" name=""/>
+        <p:cNvGrpSpPr/>
+        <p:nvPr/>
+      </p:nvGrpSpPr>
+      <p:grpSpPr>
+        <a:xfrm>
+          <a:off x="0" y="0"/>
+          <a:ext cx="0" cy="0"/>
+          <a:chOff x="0" y="0"/>
+          <a:chExt cx="0" cy="0"/>
+        </a:xfrm>
+      </p:grpSpPr>
+      <p:pic>
+        <p:nvPicPr>
+          <p:cNvPr id="4" name="Picture 3">
+            <a:extLst>
+              <a:ext uri="{FF2B5EF4-FFF2-40B4-BE49-F238E27FC236}">
+                <a16:creationId xmlns:a16="http://schemas.microsoft.com/office/drawing/2014/main" id="{B9E8DF53-EC98-4AE0-B48C-64DF23EB16AB}"/>
+              </a:ext>
+            </a:extLst>
+          </p:cNvPr>
+          <p:cNvPicPr>
+            <a:picLocks noChangeAspect="1"/>
+          </p:cNvPicPr>
+          <p:nvPr/>
+        </p:nvPicPr>
+        <p:blipFill>
+          <a:blip r:embed="rId2"/>
+          <a:stretch>
+            <a:fillRect/>
+          </a:stretch>
+        </p:blipFill>
+        <p:spPr>
+          <a:xfrm>
+            <a:off x="1196000" y="293886"/>
+            <a:ext cx="9595825" cy="6406542"/>
+          </a:xfrm>
+          <a:prstGeom prst="rect">
+            <a:avLst/>
+          </a:prstGeom>
+        </p:spPr>
+      </p:pic>
+    </p:spTree>
+    <p:extLst>
+      <p:ext uri="{BB962C8B-B14F-4D97-AF65-F5344CB8AC3E}">
+        <p14:creationId xmlns:p14="http://schemas.microsoft.com/office/powerpoint/2010/main" val="3940865638"/>
       </p:ext>
     </p:extLst>
   </p:cSld>
